--- a/docs/gsimpson-CapstonePresentation.pptx
+++ b/docs/gsimpson-CapstonePresentation.pptx
@@ -10,12 +10,12 @@
     <p:sldId id="257" r:id="rId4"/>
     <p:sldId id="258" r:id="rId5"/>
     <p:sldId id="259" r:id="rId6"/>
-    <p:sldId id="260" r:id="rId7"/>
-    <p:sldId id="262" r:id="rId8"/>
-    <p:sldId id="263" r:id="rId9"/>
-    <p:sldId id="264" r:id="rId10"/>
-    <p:sldId id="272" r:id="rId11"/>
-    <p:sldId id="271" r:id="rId12"/>
+    <p:sldId id="274" r:id="rId7"/>
+    <p:sldId id="260" r:id="rId8"/>
+    <p:sldId id="275" r:id="rId9"/>
+    <p:sldId id="262" r:id="rId10"/>
+    <p:sldId id="263" r:id="rId11"/>
+    <p:sldId id="264" r:id="rId12"/>
     <p:sldId id="261" r:id="rId13"/>
   </p:sldIdLst>
   <p:sldSz cx="12192000" cy="6858000"/>
@@ -115,6 +115,11 @@
       </a:defRPr>
     </a:lvl9pPr>
   </p:defaultTextStyle>
+  <p:extLst>
+    <p:ext uri="{EFAFB233-063F-42B5-8137-9DF3F51BA10A}">
+      <p15:sldGuideLst xmlns:p15="http://schemas.microsoft.com/office/powerpoint/2012/main"/>
+    </p:ext>
+  </p:extLst>
 </p:presentation>
 </file>
 
@@ -13358,91 +13363,65 @@
           <a:p>
             <a:r>
               <a:rPr lang="en-US" dirty="0"/>
-              <a:t>Model Results - Test</a:t>
+              <a:t>SPSS Stream Screen Shots</a:t>
             </a:r>
           </a:p>
         </p:txBody>
       </p:sp>
-      <p:sp>
-        <p:nvSpPr>
-          <p:cNvPr id="3" name="Content Placeholder 2"/>
-          <p:cNvSpPr>
-            <a:spLocks noGrp="1"/>
-          </p:cNvSpPr>
+      <p:pic>
+        <p:nvPicPr>
+          <p:cNvPr id="4" name="Content Placeholder 3"/>
+          <p:cNvPicPr>
+            <a:picLocks noGrp="1" noChangeAspect="1"/>
+          </p:cNvPicPr>
           <p:nvPr>
             <p:ph idx="1"/>
           </p:nvPr>
-        </p:nvSpPr>
-        <p:spPr/>
-        <p:txBody>
-          <a:bodyPr>
-            <a:normAutofit/>
-          </a:bodyPr>
-          <a:lstStyle/>
-          <a:p>
-            <a:r>
-              <a:rPr lang="en-US" dirty="0"/>
-              <a:t>Test</a:t>
-            </a:r>
-            <a:r>
-              <a:rPr lang="en-US" dirty="0"/>
-              <a:t> (correct / incorrect)</a:t>
-            </a:r>
-            <a:endParaRPr lang="en-US" dirty="0"/>
-          </a:p>
-          <a:p>
-            <a:pPr lvl="1"/>
-            <a:r>
-              <a:rPr lang="en-US" dirty="0" err="1">
-                <a:highlight>
-                  <a:srgbClr val="00FF00"/>
-                </a:highlight>
-              </a:rPr>
-              <a:t>Rbf</a:t>
-            </a:r>
-            <a:r>
-              <a:rPr lang="en-US" dirty="0">
-                <a:highlight>
-                  <a:srgbClr val="00FF00"/>
-                </a:highlight>
-              </a:rPr>
-              <a:t> : 96.89% / 3.11%</a:t>
-            </a:r>
-          </a:p>
-          <a:p>
-            <a:pPr lvl="1"/>
-            <a:r>
-              <a:rPr lang="en-US" dirty="0"/>
-              <a:t>Poly : 96.27% / 3.72%</a:t>
-            </a:r>
-          </a:p>
-          <a:p>
-            <a:pPr lvl="1"/>
-            <a:r>
-              <a:rPr lang="en-US" dirty="0"/>
-              <a:t>Sigmoid : 83.85% / 16.15%</a:t>
-            </a:r>
-          </a:p>
-          <a:p>
-            <a:pPr lvl="1"/>
-            <a:r>
-              <a:rPr lang="en-US" dirty="0"/>
-              <a:t>Linear :98.14% / 1.86%</a:t>
-            </a:r>
-            <a:endParaRPr lang="en-US" dirty="0"/>
-          </a:p>
-          <a:p>
-            <a:pPr marL="0" indent="0">
-              <a:buNone/>
-            </a:pPr>
-            <a:endParaRPr lang="en-US" dirty="0"/>
-          </a:p>
-        </p:txBody>
-      </p:sp>
+        </p:nvPicPr>
+        <p:blipFill>
+          <a:blip r:embed="rId2"/>
+          <a:stretch>
+            <a:fillRect/>
+          </a:stretch>
+        </p:blipFill>
+        <p:spPr>
+          <a:xfrm>
+            <a:off x="409576" y="2527300"/>
+            <a:ext cx="6315074" cy="4022992"/>
+          </a:xfrm>
+          <a:prstGeom prst="rect">
+            <a:avLst/>
+          </a:prstGeom>
+        </p:spPr>
+      </p:pic>
+      <p:pic>
+        <p:nvPicPr>
+          <p:cNvPr id="6" name="Picture 5"/>
+          <p:cNvPicPr>
+            <a:picLocks noChangeAspect="1"/>
+          </p:cNvPicPr>
+          <p:nvPr/>
+        </p:nvPicPr>
+        <p:blipFill>
+          <a:blip r:embed="rId3"/>
+          <a:stretch>
+            <a:fillRect/>
+          </a:stretch>
+        </p:blipFill>
+        <p:spPr>
+          <a:xfrm>
+            <a:off x="6869837" y="2527300"/>
+            <a:ext cx="5061691" cy="4224093"/>
+          </a:xfrm>
+          <a:prstGeom prst="rect">
+            <a:avLst/>
+          </a:prstGeom>
+        </p:spPr>
+      </p:pic>
     </p:spTree>
     <p:extLst>
       <p:ext uri="{BB962C8B-B14F-4D97-AF65-F5344CB8AC3E}">
-        <p14:creationId xmlns:p14="http://schemas.microsoft.com/office/powerpoint/2010/main" val="3739076219"/>
+        <p14:creationId xmlns:p14="http://schemas.microsoft.com/office/powerpoint/2010/main" val="4141596084"/>
       </p:ext>
     </p:extLst>
   </p:cSld>
@@ -13486,7 +13465,7 @@
           <a:p>
             <a:r>
               <a:rPr lang="en-US" dirty="0"/>
-              <a:t>Model Results - Validation</a:t>
+              <a:t>Model Results</a:t>
             </a:r>
           </a:p>
         </p:txBody>
@@ -13510,13 +13489,21 @@
           <a:p>
             <a:r>
               <a:rPr lang="en-US" dirty="0"/>
-              <a:t>Validation</a:t>
-            </a:r>
+              <a:t>Train (correct / incorrect)</a:t>
+            </a:r>
+          </a:p>
+          <a:p>
+            <a:pPr lvl="1"/>
             <a:r>
               <a:rPr lang="en-US" dirty="0"/>
-              <a:t> (correct / incorrect)</a:t>
-            </a:r>
-            <a:endParaRPr lang="en-US" dirty="0"/>
+              <a:t>Polynomial : 100% / 0%</a:t>
+            </a:r>
+          </a:p>
+          <a:p>
+            <a:r>
+              <a:rPr lang="en-US" dirty="0"/>
+              <a:t>Test (correct / incorrect)</a:t>
+            </a:r>
           </a:p>
           <a:p>
             <a:pPr lvl="1"/>
@@ -13526,35 +13513,26 @@
             </a:r>
             <a:r>
               <a:rPr lang="en-US" dirty="0"/>
-              <a:t> : 89.87% / 10.13%</a:t>
+              <a:t> (Radial basis function) : 96.89% / 3.11%</a:t>
+            </a:r>
+          </a:p>
+          <a:p>
+            <a:r>
+              <a:rPr lang="en-US" dirty="0"/>
+              <a:t>Validation (correct / incorrect)</a:t>
             </a:r>
           </a:p>
           <a:p>
             <a:pPr lvl="1"/>
             <a:r>
               <a:rPr lang="en-US" dirty="0"/>
-              <a:t>Poly : 87.34% / 12.66%</a:t>
-            </a:r>
-          </a:p>
-          <a:p>
-            <a:pPr lvl="1"/>
-            <a:r>
-              <a:rPr lang="en-US" dirty="0"/>
-              <a:t>Sigmoid : 79.75% / 20.25%</a:t>
-            </a:r>
-          </a:p>
-          <a:p>
-            <a:pPr lvl="1"/>
-            <a:r>
-              <a:rPr lang="en-US" dirty="0">
-                <a:highlight>
-                  <a:srgbClr val="00FF00"/>
-                </a:highlight>
-              </a:rPr>
               <a:t>Linear : 92.41% / 7.59%</a:t>
             </a:r>
           </a:p>
           <a:p>
+            <a:pPr marL="0" indent="0">
+              <a:buNone/>
+            </a:pPr>
             <a:endParaRPr lang="en-US" dirty="0"/>
           </a:p>
         </p:txBody>
@@ -13562,7 +13540,7 @@
     </p:spTree>
     <p:extLst>
       <p:ext uri="{BB962C8B-B14F-4D97-AF65-F5344CB8AC3E}">
-        <p14:creationId xmlns:p14="http://schemas.microsoft.com/office/powerpoint/2010/main" val="3789062210"/>
+        <p14:creationId xmlns:p14="http://schemas.microsoft.com/office/powerpoint/2010/main" val="2991731860"/>
       </p:ext>
     </p:extLst>
   </p:cSld>
@@ -13639,6 +13617,36 @@
               </a:rPr>
               <a:t>http://www.csie.ntu.edu.tw/%7Ecjlin/papers/guide/guide.pdf</a:t>
             </a:r>
+            <a:endParaRPr lang="en-US" dirty="0"/>
+          </a:p>
+          <a:p>
+            <a:endParaRPr lang="en-US" dirty="0"/>
+          </a:p>
+          <a:p>
+            <a:endParaRPr lang="en-US" dirty="0"/>
+          </a:p>
+          <a:p>
+            <a:r>
+              <a:rPr lang="en-US" dirty="0"/>
+              <a:t>Validation (correct / incorrect)</a:t>
+            </a:r>
+          </a:p>
+          <a:p>
+            <a:pPr lvl="1"/>
+            <a:r>
+              <a:rPr lang="en-US" dirty="0">
+                <a:highlight>
+                  <a:srgbClr val="00FF00"/>
+                </a:highlight>
+              </a:rPr>
+              <a:t>Linear</a:t>
+            </a:r>
+            <a:r>
+              <a:rPr lang="en-US" dirty="0"/>
+              <a:t> : 92.41% / 7.59%</a:t>
+            </a:r>
+          </a:p>
+          <a:p>
             <a:endParaRPr lang="en-US" dirty="0"/>
           </a:p>
         </p:txBody>
@@ -13690,7 +13698,7 @@
           <a:p>
             <a:r>
               <a:rPr lang="en-US" dirty="0"/>
-              <a:t>Motivation for Data Science</a:t>
+              <a:t>Motivation and Background</a:t>
             </a:r>
           </a:p>
         </p:txBody>
@@ -13718,13 +13726,32 @@
           <a:p>
             <a:r>
               <a:rPr lang="en-US" dirty="0"/>
-              <a:t>Many Big name companies</a:t>
+              <a:t>Many Big name companies; several small companies</a:t>
             </a:r>
           </a:p>
           <a:p>
             <a:r>
               <a:rPr lang="en-US" dirty="0"/>
               <a:t>Lots of different roles</a:t>
+            </a:r>
+          </a:p>
+          <a:p>
+            <a:r>
+              <a:rPr lang="en-US" dirty="0"/>
+              <a:t>Plenty of success</a:t>
+            </a:r>
+          </a:p>
+          <a:p>
+            <a:pPr lvl="1"/>
+            <a:r>
+              <a:rPr lang="en-US" dirty="0"/>
+              <a:t>GPS-OCX ground station contract win</a:t>
+            </a:r>
+          </a:p>
+          <a:p>
+            <a:r>
+              <a:rPr lang="en-US" dirty="0"/>
+              <a:t>Too many “less than successes”</a:t>
             </a:r>
           </a:p>
           <a:p>
@@ -13881,7 +13908,7 @@
           <a:p>
             <a:r>
               <a:rPr lang="en-US" dirty="0"/>
-              <a:t>3 GOALS</a:t>
+              <a:t>3 GOALS for Capstone</a:t>
             </a:r>
           </a:p>
         </p:txBody>
@@ -14019,7 +14046,7 @@
             <a:pPr lvl="1"/>
             <a:r>
               <a:rPr lang="en-US" dirty="0"/>
-              <a:t>10 features</a:t>
+              <a:t>10 features – cell characteristic measurements</a:t>
             </a:r>
           </a:p>
           <a:p>
@@ -14098,7 +14125,7 @@
           <a:p>
             <a:r>
               <a:rPr lang="en-US" dirty="0"/>
-              <a:t>Data Science</a:t>
+              <a:t>3 GOALS for Capstone</a:t>
             </a:r>
           </a:p>
         </p:txBody>
@@ -14115,109 +14142,45 @@
         </p:nvSpPr>
         <p:spPr/>
         <p:txBody>
-          <a:bodyPr>
-            <a:normAutofit/>
-          </a:bodyPr>
+          <a:bodyPr/>
           <a:lstStyle/>
           <a:p>
             <a:r>
               <a:rPr lang="en-US" dirty="0"/>
-              <a:t>SVM Classifier</a:t>
+              <a:t>Combine </a:t>
             </a:r>
           </a:p>
           <a:p>
             <a:pPr lvl="1"/>
             <a:r>
               <a:rPr lang="en-US" dirty="0"/>
-              <a:t>Support Vector Machine</a:t>
-            </a:r>
-          </a:p>
-          <a:p>
-            <a:pPr lvl="2"/>
+              <a:t>Health Domain Dataset</a:t>
+            </a:r>
+          </a:p>
+          <a:p>
+            <a:pPr lvl="1"/>
             <a:r>
               <a:rPr lang="en-US" dirty="0">
-                <a:hlinkClick r:id="rId2" tooltip="Supervised learning"/>
+                <a:highlight>
+                  <a:srgbClr val="00FFFF"/>
+                </a:highlight>
               </a:rPr>
-              <a:t>supervised learning</a:t>
-            </a:r>
+              <a:t>Data Science</a:t>
+            </a:r>
+          </a:p>
+          <a:p>
+            <a:pPr lvl="1"/>
             <a:r>
               <a:rPr lang="en-US" dirty="0"/>
-              <a:t> models analyze data used for </a:t>
-            </a:r>
-            <a:r>
-              <a:rPr lang="en-US" dirty="0">
-                <a:hlinkClick r:id="rId3" tooltip="Statistical classification"/>
-              </a:rPr>
-              <a:t>classification</a:t>
-            </a:r>
-            <a:r>
-              <a:rPr lang="en-US" dirty="0"/>
-              <a:t> and </a:t>
-            </a:r>
-            <a:r>
-              <a:rPr lang="en-US" dirty="0">
-                <a:hlinkClick r:id="rId4" tooltip="Regression analysis"/>
-              </a:rPr>
-              <a:t>regression analysis</a:t>
-            </a:r>
-            <a:r>
-              <a:rPr lang="en-US" dirty="0"/>
-              <a:t>.</a:t>
-            </a:r>
-          </a:p>
-          <a:p>
-            <a:pPr lvl="2"/>
-            <a:r>
-              <a:rPr lang="en-US" dirty="0"/>
-              <a:t>Existing data is mapped so that the examples of the separate categories are divided by a clear gap that is as wide as possible (called a hyperplane). New examples are then mapped into that same space and predicted to belong to a category based on which side of the gap they fall on.</a:t>
-            </a:r>
-          </a:p>
-          <a:p>
-            <a:pPr lvl="3"/>
-            <a:r>
-              <a:rPr lang="en-US" dirty="0"/>
-              <a:t>https://en.wikipedia.org/wiki/Kernel_method</a:t>
-            </a:r>
-          </a:p>
-          <a:p>
-            <a:pPr lvl="1"/>
-            <a:r>
-              <a:rPr lang="en-US" dirty="0"/>
-              <a:t>Kernels</a:t>
-            </a:r>
-          </a:p>
-          <a:p>
-            <a:pPr lvl="2"/>
-            <a:r>
-              <a:rPr lang="en-US" dirty="0"/>
-              <a:t>Mathematical functions used to project data to increase separation</a:t>
-            </a:r>
-          </a:p>
-          <a:p>
-            <a:pPr lvl="3"/>
-            <a:r>
-              <a:rPr lang="en-US" dirty="0"/>
-              <a:t>RBF, </a:t>
-            </a:r>
-            <a:r>
-              <a:rPr lang="en-US" dirty="0" err="1"/>
-              <a:t>Polymomial</a:t>
-            </a:r>
-            <a:r>
-              <a:rPr lang="en-US" dirty="0"/>
-              <a:t>, Sigmoid, Linear</a:t>
-            </a:r>
-          </a:p>
-          <a:p>
-            <a:pPr lvl="2"/>
-            <a:endParaRPr lang="en-US" dirty="0"/>
+              <a:t>IBM Watson Tools</a:t>
+            </a:r>
           </a:p>
         </p:txBody>
       </p:sp>
     </p:spTree>
     <p:extLst>
       <p:ext uri="{BB962C8B-B14F-4D97-AF65-F5344CB8AC3E}">
-        <p14:creationId xmlns:p14="http://schemas.microsoft.com/office/powerpoint/2010/main" val="2508940193"/>
+        <p14:creationId xmlns:p14="http://schemas.microsoft.com/office/powerpoint/2010/main" val="2893298437"/>
       </p:ext>
     </p:extLst>
   </p:cSld>
@@ -14261,7 +14224,7 @@
           <a:p>
             <a:r>
               <a:rPr lang="en-US" dirty="0"/>
-              <a:t>IBM Watson Tools</a:t>
+              <a:t>Data Science</a:t>
             </a:r>
           </a:p>
         </p:txBody>
@@ -14279,93 +14242,96 @@
         <p:spPr/>
         <p:txBody>
           <a:bodyPr>
-            <a:normAutofit fontScale="92500" lnSpcReduction="20000"/>
+            <a:normAutofit/>
           </a:bodyPr>
           <a:lstStyle/>
           <a:p>
             <a:r>
               <a:rPr lang="en-US" dirty="0"/>
-              <a:t>IBM SPSS Modeler</a:t>
+              <a:t>SVM Classifier</a:t>
             </a:r>
           </a:p>
           <a:p>
             <a:pPr lvl="1"/>
             <a:r>
+              <a:rPr lang="en-US" dirty="0"/>
+              <a:t>Support Vector Machine</a:t>
+            </a:r>
+          </a:p>
+          <a:p>
+            <a:pPr lvl="2"/>
+            <a:r>
               <a:rPr lang="en-US" dirty="0">
-                <a:hlinkClick r:id="rId2"/>
+                <a:hlinkClick r:id="rId2" tooltip="Supervised learning"/>
               </a:rPr>
-              <a:t>http://www-03.ibm.com/software/products/en/spss-modeler</a:t>
-            </a:r>
-            <a:endParaRPr lang="en-US" dirty="0"/>
+              <a:t>supervised learning</a:t>
+            </a:r>
+            <a:r>
+              <a:rPr lang="en-US" dirty="0"/>
+              <a:t> models analyze data used for </a:t>
+            </a:r>
+            <a:r>
+              <a:rPr lang="en-US" dirty="0">
+                <a:hlinkClick r:id="rId3" tooltip="Statistical classification"/>
+              </a:rPr>
+              <a:t>classification</a:t>
+            </a:r>
+            <a:r>
+              <a:rPr lang="en-US" dirty="0"/>
+              <a:t> and </a:t>
+            </a:r>
+            <a:r>
+              <a:rPr lang="en-US" dirty="0">
+                <a:hlinkClick r:id="rId4" tooltip="Regression analysis"/>
+              </a:rPr>
+              <a:t>regression analysis</a:t>
+            </a:r>
+            <a:r>
+              <a:rPr lang="en-US" dirty="0"/>
+              <a:t>.</a:t>
+            </a:r>
+          </a:p>
+          <a:p>
+            <a:pPr lvl="2"/>
+            <a:r>
+              <a:rPr lang="en-US" dirty="0"/>
+              <a:t>Existing data is mapped so that the examples of the separate categories are divided by a clear gap that is as wide as possible (called a hyperplane). New examples are then mapped into that same space and predicted to belong to a category based on which side of the gap they fall on.</a:t>
+            </a:r>
+          </a:p>
+          <a:p>
+            <a:pPr lvl="3"/>
+            <a:r>
+              <a:rPr lang="en-US" dirty="0"/>
+              <a:t>https://en.wikipedia.org/wiki/Kernel_method</a:t>
+            </a:r>
           </a:p>
           <a:p>
             <a:pPr lvl="1"/>
             <a:r>
               <a:rPr lang="en-US" dirty="0"/>
-              <a:t>Covers 3 main phases</a:t>
+              <a:t>Kernels</a:t>
             </a:r>
           </a:p>
           <a:p>
             <a:pPr lvl="2"/>
             <a:r>
               <a:rPr lang="en-US" dirty="0"/>
-              <a:t>Data ingestion and manipulation</a:t>
+              <a:t>Mathematical functions used to project data to increase separation</a:t>
             </a:r>
           </a:p>
           <a:p>
             <a:pPr lvl="3"/>
             <a:r>
               <a:rPr lang="en-US" dirty="0"/>
-              <a:t>Easy, fast, repeatable</a:t>
-            </a:r>
-          </a:p>
-          <a:p>
-            <a:pPr lvl="3"/>
+              <a:t>RBF, </a:t>
+            </a:r>
+            <a:r>
+              <a:rPr lang="en-US" dirty="0" err="1"/>
+              <a:t>Polymomial</a:t>
+            </a:r>
             <a:r>
               <a:rPr lang="en-US" dirty="0"/>
-              <a:t>Simple data partitioning into Train-Test-Validation data sets</a:t>
-            </a:r>
-          </a:p>
-          <a:p>
-            <a:pPr lvl="2"/>
-            <a:r>
-              <a:rPr lang="en-US" dirty="0"/>
-              <a:t>Modeling</a:t>
-            </a:r>
-          </a:p>
-          <a:p>
-            <a:pPr lvl="3"/>
-            <a:r>
-              <a:rPr lang="en-US" dirty="0"/>
-              <a:t>Icon based configurations</a:t>
-            </a:r>
-          </a:p>
-          <a:p>
-            <a:pPr lvl="3"/>
-            <a:r>
-              <a:rPr lang="en-US" dirty="0"/>
-              <a:t>Parallel and serial capabilities</a:t>
-            </a:r>
-          </a:p>
-          <a:p>
-            <a:pPr lvl="2"/>
-            <a:r>
-              <a:rPr lang="en-US" dirty="0"/>
-              <a:t>Display</a:t>
-            </a:r>
-          </a:p>
-          <a:p>
-            <a:pPr lvl="3"/>
-            <a:r>
-              <a:rPr lang="en-US" dirty="0"/>
-              <a:t>Not the strongest</a:t>
-            </a:r>
-          </a:p>
-          <a:p>
-            <a:pPr lvl="3"/>
-            <a:r>
-              <a:rPr lang="en-US" dirty="0"/>
-              <a:t>Other tools are better</a:t>
+              <a:t>, Sigmoid, Linear</a:t>
             </a:r>
           </a:p>
           <a:p>
@@ -14377,7 +14343,7 @@
     </p:spTree>
     <p:extLst>
       <p:ext uri="{BB962C8B-B14F-4D97-AF65-F5344CB8AC3E}">
-        <p14:creationId xmlns:p14="http://schemas.microsoft.com/office/powerpoint/2010/main" val="4033208215"/>
+        <p14:creationId xmlns:p14="http://schemas.microsoft.com/office/powerpoint/2010/main" val="2508940193"/>
       </p:ext>
     </p:extLst>
   </p:cSld>
@@ -14421,65 +14387,62 @@
           <a:p>
             <a:r>
               <a:rPr lang="en-US" dirty="0"/>
-              <a:t>SPSS Stream Screen Shots</a:t>
+              <a:t>3 GOALS for Capstone</a:t>
             </a:r>
           </a:p>
         </p:txBody>
       </p:sp>
-      <p:pic>
-        <p:nvPicPr>
-          <p:cNvPr id="4" name="Content Placeholder 3"/>
-          <p:cNvPicPr>
-            <a:picLocks noGrp="1" noChangeAspect="1"/>
-          </p:cNvPicPr>
+      <p:sp>
+        <p:nvSpPr>
+          <p:cNvPr id="3" name="Content Placeholder 2"/>
+          <p:cNvSpPr>
+            <a:spLocks noGrp="1"/>
+          </p:cNvSpPr>
           <p:nvPr>
             <p:ph idx="1"/>
           </p:nvPr>
-        </p:nvPicPr>
-        <p:blipFill>
-          <a:blip r:embed="rId2"/>
-          <a:stretch>
-            <a:fillRect/>
-          </a:stretch>
-        </p:blipFill>
-        <p:spPr>
-          <a:xfrm>
-            <a:off x="409576" y="2527300"/>
-            <a:ext cx="6315074" cy="4022992"/>
-          </a:xfrm>
-          <a:prstGeom prst="rect">
-            <a:avLst/>
-          </a:prstGeom>
-        </p:spPr>
-      </p:pic>
-      <p:pic>
-        <p:nvPicPr>
-          <p:cNvPr id="6" name="Picture 5"/>
-          <p:cNvPicPr>
-            <a:picLocks noChangeAspect="1"/>
-          </p:cNvPicPr>
-          <p:nvPr/>
-        </p:nvPicPr>
-        <p:blipFill>
-          <a:blip r:embed="rId3"/>
-          <a:stretch>
-            <a:fillRect/>
-          </a:stretch>
-        </p:blipFill>
-        <p:spPr>
-          <a:xfrm>
-            <a:off x="6896214" y="3037254"/>
-            <a:ext cx="5061691" cy="4224093"/>
-          </a:xfrm>
-          <a:prstGeom prst="rect">
-            <a:avLst/>
-          </a:prstGeom>
-        </p:spPr>
-      </p:pic>
+        </p:nvSpPr>
+        <p:spPr/>
+        <p:txBody>
+          <a:bodyPr/>
+          <a:lstStyle/>
+          <a:p>
+            <a:r>
+              <a:rPr lang="en-US" dirty="0"/>
+              <a:t>Combine </a:t>
+            </a:r>
+          </a:p>
+          <a:p>
+            <a:pPr lvl="1"/>
+            <a:r>
+              <a:rPr lang="en-US" dirty="0"/>
+              <a:t>Health Domain Dataset</a:t>
+            </a:r>
+          </a:p>
+          <a:p>
+            <a:pPr lvl="1"/>
+            <a:r>
+              <a:rPr lang="en-US" dirty="0"/>
+              <a:t>Data Science</a:t>
+            </a:r>
+          </a:p>
+          <a:p>
+            <a:pPr lvl="1"/>
+            <a:r>
+              <a:rPr lang="en-US" dirty="0">
+                <a:highlight>
+                  <a:srgbClr val="00FFFF"/>
+                </a:highlight>
+              </a:rPr>
+              <a:t>IBM Watson Tools</a:t>
+            </a:r>
+          </a:p>
+        </p:txBody>
+      </p:sp>
     </p:spTree>
     <p:extLst>
       <p:ext uri="{BB962C8B-B14F-4D97-AF65-F5344CB8AC3E}">
-        <p14:creationId xmlns:p14="http://schemas.microsoft.com/office/powerpoint/2010/main" val="4141596084"/>
+        <p14:creationId xmlns:p14="http://schemas.microsoft.com/office/powerpoint/2010/main" val="2195502693"/>
       </p:ext>
     </p:extLst>
   </p:cSld>
@@ -14523,7 +14486,7 @@
           <a:p>
             <a:r>
               <a:rPr lang="en-US" dirty="0"/>
-              <a:t>Model Results - Training</a:t>
+              <a:t>IBM Watson Tools</a:t>
             </a:r>
           </a:p>
         </p:txBody>
@@ -14541,67 +14504,97 @@
         <p:spPr/>
         <p:txBody>
           <a:bodyPr>
-            <a:normAutofit/>
+            <a:normAutofit fontScale="92500" lnSpcReduction="20000"/>
           </a:bodyPr>
           <a:lstStyle/>
           <a:p>
             <a:r>
               <a:rPr lang="en-US" dirty="0"/>
-              <a:t>Train (correct / incorrect)</a:t>
+              <a:t>IBM SPSS Modeler</a:t>
             </a:r>
           </a:p>
           <a:p>
             <a:pPr lvl="1"/>
             <a:r>
-              <a:rPr lang="en-US" dirty="0" err="1">
-                <a:highlight>
-                  <a:srgbClr val="C0C0C0"/>
-                </a:highlight>
+              <a:rPr lang="en-US" dirty="0">
+                <a:hlinkClick r:id="rId2"/>
               </a:rPr>
-              <a:t>Rbf</a:t>
-            </a:r>
-            <a:r>
-              <a:rPr lang="en-US" dirty="0">
-                <a:highlight>
-                  <a:srgbClr val="C0C0C0"/>
-                </a:highlight>
-              </a:rPr>
-              <a:t> : 97.39% /2.61%</a:t>
-            </a:r>
+              <a:t>http://www-03.ibm.com/software/products/en/spss-modeler</a:t>
+            </a:r>
+            <a:endParaRPr lang="en-US" dirty="0"/>
           </a:p>
           <a:p>
             <a:pPr lvl="1"/>
             <a:r>
-              <a:rPr lang="en-US" dirty="0">
-                <a:highlight>
-                  <a:srgbClr val="00FF00"/>
-                </a:highlight>
-              </a:rPr>
-              <a:t>Poly : 100% / 0%</a:t>
-            </a:r>
-          </a:p>
-          <a:p>
-            <a:pPr lvl="1"/>
-            <a:r>
               <a:rPr lang="en-US" dirty="0"/>
-              <a:t>Sigmoid : 83.01% / 16.99%</a:t>
-            </a:r>
-          </a:p>
-          <a:p>
-            <a:pPr lvl="1"/>
-            <a:r>
-              <a:rPr lang="en-US" dirty="0">
-                <a:highlight>
-                  <a:srgbClr val="C0C0C0"/>
-                </a:highlight>
-              </a:rPr>
-              <a:t>Linear : 97.39% / 2.61%</a:t>
-            </a:r>
-          </a:p>
-          <a:p>
-            <a:pPr marL="0" indent="0">
-              <a:buNone/>
-            </a:pPr>
+              <a:t>Covers 3 main phases</a:t>
+            </a:r>
+          </a:p>
+          <a:p>
+            <a:pPr lvl="2"/>
+            <a:r>
+              <a:rPr lang="en-US" dirty="0"/>
+              <a:t>Data ingestion and manipulation</a:t>
+            </a:r>
+          </a:p>
+          <a:p>
+            <a:pPr lvl="3"/>
+            <a:r>
+              <a:rPr lang="en-US" dirty="0"/>
+              <a:t>Easy, fast, repeatable</a:t>
+            </a:r>
+          </a:p>
+          <a:p>
+            <a:pPr lvl="3"/>
+            <a:r>
+              <a:rPr lang="en-US" dirty="0"/>
+              <a:t>Simple data partitioning into Train-Test-Validation data sets</a:t>
+            </a:r>
+          </a:p>
+          <a:p>
+            <a:pPr lvl="2"/>
+            <a:r>
+              <a:rPr lang="en-US" dirty="0"/>
+              <a:t>Modeling</a:t>
+            </a:r>
+          </a:p>
+          <a:p>
+            <a:pPr lvl="3"/>
+            <a:r>
+              <a:rPr lang="en-US" dirty="0"/>
+              <a:t>Icon based configurations</a:t>
+            </a:r>
+          </a:p>
+          <a:p>
+            <a:pPr lvl="3"/>
+            <a:r>
+              <a:rPr lang="en-US" dirty="0"/>
+              <a:t>Parallel and serial capabilities</a:t>
+            </a:r>
+          </a:p>
+          <a:p>
+            <a:pPr lvl="2"/>
+            <a:r>
+              <a:rPr lang="en-US" dirty="0"/>
+              <a:t>Display</a:t>
+            </a:r>
+          </a:p>
+          <a:p>
+            <a:pPr lvl="3"/>
+            <a:r>
+              <a:rPr lang="en-US" dirty="0"/>
+              <a:t>Not the strongest</a:t>
+            </a:r>
+          </a:p>
+          <a:p>
+            <a:pPr lvl="3"/>
+            <a:r>
+              <a:rPr lang="en-US" dirty="0"/>
+              <a:t>Other tools are better</a:t>
+            </a:r>
+          </a:p>
+          <a:p>
+            <a:pPr lvl="2"/>
             <a:endParaRPr lang="en-US" dirty="0"/>
           </a:p>
         </p:txBody>
@@ -14609,7 +14602,7 @@
     </p:spTree>
     <p:extLst>
       <p:ext uri="{BB962C8B-B14F-4D97-AF65-F5344CB8AC3E}">
-        <p14:creationId xmlns:p14="http://schemas.microsoft.com/office/powerpoint/2010/main" val="2991731860"/>
+        <p14:creationId xmlns:p14="http://schemas.microsoft.com/office/powerpoint/2010/main" val="4033208215"/>
       </p:ext>
     </p:extLst>
   </p:cSld>

--- a/docs/gsimpson-CapstonePresentation.pptx
+++ b/docs/gsimpson-CapstonePresentation.pptx
@@ -17,6 +17,7 @@
     <p:sldId id="263" r:id="rId11"/>
     <p:sldId id="264" r:id="rId12"/>
     <p:sldId id="261" r:id="rId13"/>
+    <p:sldId id="276" r:id="rId14"/>
   </p:sldIdLst>
   <p:sldSz cx="12192000" cy="6858000"/>
   <p:notesSz cx="6858000" cy="9144000"/>
@@ -13311,7 +13312,7 @@
           <a:p>
             <a:r>
               <a:rPr lang="en-US" dirty="0"/>
-              <a:t>Galvanize Data science fellow  -  gsimpson@pobox.com</a:t>
+              <a:t>Galvanize Data science fellow</a:t>
             </a:r>
           </a:p>
         </p:txBody>
@@ -13664,6 +13665,103 @@
 </p:sld>
 </file>
 
+<file path=ppt/slides/slide13.xml><?xml version="1.0" encoding="utf-8"?>
+<p:sld xmlns:a="http://schemas.openxmlformats.org/drawingml/2006/main" xmlns:r="http://schemas.openxmlformats.org/officeDocument/2006/relationships" xmlns:p="http://schemas.openxmlformats.org/presentationml/2006/main">
+  <p:cSld>
+    <p:spTree>
+      <p:nvGrpSpPr>
+        <p:cNvPr id="1" name=""/>
+        <p:cNvGrpSpPr/>
+        <p:nvPr/>
+      </p:nvGrpSpPr>
+      <p:grpSpPr>
+        <a:xfrm>
+          <a:off x="0" y="0"/>
+          <a:ext cx="0" cy="0"/>
+          <a:chOff x="0" y="0"/>
+          <a:chExt cx="0" cy="0"/>
+        </a:xfrm>
+      </p:grpSpPr>
+      <p:sp>
+        <p:nvSpPr>
+          <p:cNvPr id="2" name="Title 1"/>
+          <p:cNvSpPr>
+            <a:spLocks noGrp="1"/>
+          </p:cNvSpPr>
+          <p:nvPr>
+            <p:ph type="title"/>
+          </p:nvPr>
+        </p:nvSpPr>
+        <p:spPr/>
+        <p:txBody>
+          <a:bodyPr/>
+          <a:lstStyle/>
+          <a:p>
+            <a:r>
+              <a:rPr lang="en-US" dirty="0"/>
+              <a:t>Questions and Contact</a:t>
+            </a:r>
+          </a:p>
+        </p:txBody>
+      </p:sp>
+      <p:sp>
+        <p:nvSpPr>
+          <p:cNvPr id="3" name="Content Placeholder 2"/>
+          <p:cNvSpPr>
+            <a:spLocks noGrp="1"/>
+          </p:cNvSpPr>
+          <p:nvPr>
+            <p:ph idx="1"/>
+          </p:nvPr>
+        </p:nvSpPr>
+        <p:spPr/>
+        <p:txBody>
+          <a:bodyPr/>
+          <a:lstStyle/>
+          <a:p>
+            <a:r>
+              <a:rPr lang="en-US" dirty="0"/>
+              <a:t>Greg Simpson</a:t>
+            </a:r>
+          </a:p>
+          <a:p>
+            <a:pPr lvl="1"/>
+            <a:r>
+              <a:rPr lang="en-US" dirty="0">
+                <a:hlinkClick r:id="rId2"/>
+              </a:rPr>
+              <a:t>gsimpson@pobox.com</a:t>
+            </a:r>
+            <a:endParaRPr lang="en-US" dirty="0"/>
+          </a:p>
+          <a:p>
+            <a:pPr lvl="1"/>
+            <a:r>
+              <a:rPr lang="en-US"/>
+              <a:t>303.907.2233</a:t>
+            </a:r>
+          </a:p>
+          <a:p>
+            <a:pPr marL="457200" lvl="1" indent="0">
+              <a:buNone/>
+            </a:pPr>
+            <a:endParaRPr lang="en-US"/>
+          </a:p>
+        </p:txBody>
+      </p:sp>
+    </p:spTree>
+    <p:extLst>
+      <p:ext uri="{BB962C8B-B14F-4D97-AF65-F5344CB8AC3E}">
+        <p14:creationId xmlns:p14="http://schemas.microsoft.com/office/powerpoint/2010/main" val="2825897129"/>
+      </p:ext>
+    </p:extLst>
+  </p:cSld>
+  <p:clrMapOvr>
+    <a:masterClrMapping/>
+  </p:clrMapOvr>
+</p:sld>
+</file>
+
 <file path=ppt/slides/slide2.xml><?xml version="1.0" encoding="utf-8"?>
 <p:sld xmlns:a="http://schemas.openxmlformats.org/drawingml/2006/main" xmlns:r="http://schemas.openxmlformats.org/officeDocument/2006/relationships" xmlns:p="http://schemas.openxmlformats.org/presentationml/2006/main">
   <p:cSld>
@@ -13724,31 +13822,35 @@
             </a:r>
           </a:p>
           <a:p>
+            <a:pPr lvl="1"/>
             <a:r>
               <a:rPr lang="en-US" dirty="0"/>
               <a:t>Many Big name companies; several small companies</a:t>
             </a:r>
           </a:p>
           <a:p>
+            <a:pPr lvl="1"/>
             <a:r>
               <a:rPr lang="en-US" dirty="0"/>
               <a:t>Lots of different roles</a:t>
             </a:r>
           </a:p>
           <a:p>
+            <a:pPr lvl="1"/>
             <a:r>
               <a:rPr lang="en-US" dirty="0"/>
               <a:t>Plenty of success</a:t>
             </a:r>
           </a:p>
           <a:p>
-            <a:pPr lvl="1"/>
+            <a:pPr lvl="2"/>
             <a:r>
               <a:rPr lang="en-US" dirty="0"/>
               <a:t>GPS-OCX ground station contract win</a:t>
             </a:r>
           </a:p>
           <a:p>
+            <a:pPr lvl="1"/>
             <a:r>
               <a:rPr lang="en-US" dirty="0"/>
               <a:t>Too many “less than successes”</a:t>

--- a/docs/gsimpson-CapstonePresentation.pptx
+++ b/docs/gsimpson-CapstonePresentation.pptx
@@ -11,13 +11,16 @@
     <p:sldId id="258" r:id="rId5"/>
     <p:sldId id="259" r:id="rId6"/>
     <p:sldId id="274" r:id="rId7"/>
-    <p:sldId id="260" r:id="rId8"/>
-    <p:sldId id="275" r:id="rId9"/>
-    <p:sldId id="262" r:id="rId10"/>
+    <p:sldId id="277" r:id="rId8"/>
+    <p:sldId id="278" r:id="rId9"/>
+    <p:sldId id="275" r:id="rId10"/>
     <p:sldId id="263" r:id="rId11"/>
-    <p:sldId id="264" r:id="rId12"/>
-    <p:sldId id="261" r:id="rId13"/>
-    <p:sldId id="276" r:id="rId14"/>
+    <p:sldId id="279" r:id="rId12"/>
+    <p:sldId id="264" r:id="rId13"/>
+    <p:sldId id="261" r:id="rId14"/>
+    <p:sldId id="276" r:id="rId15"/>
+    <p:sldId id="262" r:id="rId16"/>
+    <p:sldId id="260" r:id="rId17"/>
   </p:sldIdLst>
   <p:sldSz cx="12192000" cy="6858000"/>
   <p:notesSz cx="6858000" cy="9144000"/>
@@ -460,7 +463,7 @@
             <a:fld id="{5923F103-BC34-4FE4-A40E-EDDEECFDA5D0}" type="datetimeFigureOut">
               <a:rPr lang="en-US" dirty="0"/>
               <a:pPr/>
-              <a:t>11/10/2016</a:t>
+              <a:t>11/12/2016</a:t>
             </a:fld>
             <a:endParaRPr lang="en-US" dirty="0"/>
           </a:p>
@@ -1548,7 +1551,7 @@
           <a:p>
             <a:fld id="{923A1CC3-2375-41D4-9E03-427CAF2A4C1A}" type="datetimeFigureOut">
               <a:rPr lang="en-US" dirty="0"/>
-              <a:t>11/10/2016</a:t>
+              <a:t>11/12/2016</a:t>
             </a:fld>
             <a:endParaRPr lang="en-US" dirty="0"/>
           </a:p>
@@ -2528,7 +2531,7 @@
           <a:p>
             <a:fld id="{AFF16868-8199-4C2C-A5B1-63AEE139F88E}" type="datetimeFigureOut">
               <a:rPr lang="en-US" dirty="0"/>
-              <a:t>11/10/2016</a:t>
+              <a:t>11/12/2016</a:t>
             </a:fld>
             <a:endParaRPr lang="en-US" dirty="0"/>
           </a:p>
@@ -3662,7 +3665,7 @@
           <a:p>
             <a:fld id="{AAD9FF7F-6988-44CC-821B-644E70CD2F73}" type="datetimeFigureOut">
               <a:rPr lang="en-US" dirty="0"/>
-              <a:t>11/10/2016</a:t>
+              <a:t>11/12/2016</a:t>
             </a:fld>
             <a:endParaRPr lang="en-US" dirty="0"/>
           </a:p>
@@ -4695,7 +4698,7 @@
           <a:p>
             <a:fld id="{5C12C299-16B2-4475-990D-751901EACC14}" type="datetimeFigureOut">
               <a:rPr lang="en-US" dirty="0"/>
-              <a:t>11/10/2016</a:t>
+              <a:t>11/12/2016</a:t>
             </a:fld>
             <a:endParaRPr lang="en-US" dirty="0"/>
           </a:p>
@@ -5355,7 +5358,7 @@
           <a:p>
             <a:fld id="{9FE86839-B9D8-4651-8783-F325ECE74E65}" type="datetimeFigureOut">
               <a:rPr lang="en-US" dirty="0"/>
-              <a:t>11/10/2016</a:t>
+              <a:t>11/12/2016</a:t>
             </a:fld>
             <a:endParaRPr lang="en-US" dirty="0"/>
           </a:p>
@@ -6216,7 +6219,7 @@
           <a:p>
             <a:fld id="{FD484F64-32F6-45C5-931F-ADC1662401D0}" type="datetimeFigureOut">
               <a:rPr lang="en-US" dirty="0"/>
-              <a:t>11/10/2016</a:t>
+              <a:t>11/12/2016</a:t>
             </a:fld>
             <a:endParaRPr lang="en-US" dirty="0"/>
           </a:p>
@@ -6406,7 +6409,7 @@
           <a:p>
             <a:fld id="{53086D93-FCAC-47E0-A2EE-787E62CA814C}" type="datetimeFigureOut">
               <a:rPr lang="en-US" dirty="0"/>
-              <a:t>11/10/2016</a:t>
+              <a:t>11/12/2016</a:t>
             </a:fld>
             <a:endParaRPr lang="en-US" dirty="0"/>
           </a:p>
@@ -7378,7 +7381,7 @@
           <a:p>
             <a:fld id="{CDA879A6-0FD0-4734-A311-86BFCA472E6E}" type="datetimeFigureOut">
               <a:rPr lang="en-US" dirty="0"/>
-              <a:t>11/10/2016</a:t>
+              <a:t>11/12/2016</a:t>
             </a:fld>
             <a:endParaRPr lang="en-US" dirty="0"/>
           </a:p>
@@ -7589,7 +7592,7 @@
           <a:p>
             <a:fld id="{19C9CA7B-DFD4-44B5-8C60-D14B8CD1FB59}" type="datetimeFigureOut">
               <a:rPr lang="en-US" dirty="0"/>
-              <a:t>11/10/2016</a:t>
+              <a:t>11/12/2016</a:t>
             </a:fld>
             <a:endParaRPr lang="en-US" dirty="0"/>
           </a:p>
@@ -8623,7 +8626,7 @@
           <a:p>
             <a:fld id="{F34E6425-0181-43F2-84FC-787E803FD2F8}" type="datetimeFigureOut">
               <a:rPr lang="en-US" dirty="0"/>
-              <a:t>11/10/2016</a:t>
+              <a:t>11/12/2016</a:t>
             </a:fld>
             <a:endParaRPr lang="en-US" dirty="0"/>
           </a:p>
@@ -8895,7 +8898,7 @@
           <a:p>
             <a:fld id="{3BDB8791-F1B0-41E7-B7FD-A781E65C4266}" type="datetimeFigureOut">
               <a:rPr lang="en-US" dirty="0"/>
-              <a:t>11/10/2016</a:t>
+              <a:t>11/12/2016</a:t>
             </a:fld>
             <a:endParaRPr lang="en-US" dirty="0"/>
           </a:p>
@@ -9305,7 +9308,7 @@
           <a:p>
             <a:fld id="{5FDD63B2-E120-4ED8-B27B-C685F510A5FE}" type="datetimeFigureOut">
               <a:rPr lang="en-US" dirty="0"/>
-              <a:t>11/10/2016</a:t>
+              <a:t>11/12/2016</a:t>
             </a:fld>
             <a:endParaRPr lang="en-US" dirty="0"/>
           </a:p>
@@ -9432,7 +9435,7 @@
           <a:p>
             <a:fld id="{7AA18ACC-A947-437B-A130-35BD54FDF1E9}" type="datetimeFigureOut">
               <a:rPr lang="en-US" dirty="0"/>
-              <a:t>11/10/2016</a:t>
+              <a:t>11/12/2016</a:t>
             </a:fld>
             <a:endParaRPr lang="en-US" dirty="0"/>
           </a:p>
@@ -9527,7 +9530,7 @@
           <a:p>
             <a:fld id="{7C8D7E02-BCB8-4D50-A234-369438C08659}" type="datetimeFigureOut">
               <a:rPr lang="en-US" dirty="0"/>
-              <a:t>11/10/2016</a:t>
+              <a:t>11/12/2016</a:t>
             </a:fld>
             <a:endParaRPr lang="en-US" dirty="0"/>
           </a:p>
@@ -10608,7 +10611,7 @@
           <a:p>
             <a:fld id="{76E86A4C-8E40-4F87-A4F0-01A0687C5742}" type="datetimeFigureOut">
               <a:rPr lang="en-US" dirty="0"/>
-              <a:t>11/10/2016</a:t>
+              <a:t>11/12/2016</a:t>
             </a:fld>
             <a:endParaRPr lang="en-US" dirty="0"/>
           </a:p>
@@ -11716,7 +11719,7 @@
           <a:p>
             <a:fld id="{35E72C73-2D91-4E12-BA25-F0AA0C03599B}" type="datetimeFigureOut">
               <a:rPr lang="en-US" dirty="0"/>
-              <a:t>11/10/2016</a:t>
+              <a:t>11/12/2016</a:t>
             </a:fld>
             <a:endParaRPr lang="en-US" dirty="0"/>
           </a:p>
@@ -12713,7 +12716,7 @@
           <a:p>
             <a:fld id="{2BE451C3-0FF4-47C4-B829-773ADF60F88C}" type="datetimeFigureOut">
               <a:rPr lang="en-US" dirty="0"/>
-              <a:t>11/10/2016</a:t>
+              <a:t>11/12/2016</a:t>
             </a:fld>
             <a:endParaRPr lang="en-US" dirty="0"/>
           </a:p>
@@ -13387,38 +13390,106 @@
         </p:blipFill>
         <p:spPr>
           <a:xfrm>
-            <a:off x="409576" y="2527300"/>
-            <a:ext cx="6315074" cy="4022992"/>
+            <a:off x="409576" y="2296721"/>
+            <a:ext cx="6677024" cy="4253571"/>
           </a:xfrm>
           <a:prstGeom prst="rect">
             <a:avLst/>
           </a:prstGeom>
         </p:spPr>
       </p:pic>
-      <p:pic>
-        <p:nvPicPr>
-          <p:cNvPr id="6" name="Picture 5"/>
-          <p:cNvPicPr>
-            <a:picLocks noChangeAspect="1"/>
-          </p:cNvPicPr>
+      <p:sp>
+        <p:nvSpPr>
+          <p:cNvPr id="3" name="Rectangle 2"/>
+          <p:cNvSpPr/>
           <p:nvPr/>
-        </p:nvPicPr>
-        <p:blipFill>
-          <a:blip r:embed="rId3"/>
-          <a:stretch>
-            <a:fillRect/>
-          </a:stretch>
-        </p:blipFill>
+        </p:nvSpPr>
         <p:spPr>
           <a:xfrm>
-            <a:off x="6869837" y="2527300"/>
-            <a:ext cx="5061691" cy="4224093"/>
+            <a:off x="553915" y="3807069"/>
+            <a:ext cx="4246685" cy="606669"/>
           </a:xfrm>
           <a:prstGeom prst="rect">
             <a:avLst/>
           </a:prstGeom>
+          <a:noFill/>
+          <a:ln w="57150">
+            <a:solidFill>
+              <a:srgbClr val="FFC000"/>
+            </a:solidFill>
+          </a:ln>
         </p:spPr>
-      </p:pic>
+        <p:style>
+          <a:lnRef idx="2">
+            <a:schemeClr val="accent1">
+              <a:shade val="50000"/>
+            </a:schemeClr>
+          </a:lnRef>
+          <a:fillRef idx="1">
+            <a:schemeClr val="accent1"/>
+          </a:fillRef>
+          <a:effectRef idx="0">
+            <a:schemeClr val="accent1"/>
+          </a:effectRef>
+          <a:fontRef idx="minor">
+            <a:schemeClr val="lt1"/>
+          </a:fontRef>
+        </p:style>
+        <p:txBody>
+          <a:bodyPr rtlCol="0" anchor="ctr"/>
+          <a:lstStyle/>
+          <a:p>
+            <a:pPr algn="ctr"/>
+            <a:endParaRPr lang="en-US"/>
+          </a:p>
+        </p:txBody>
+      </p:sp>
+      <p:sp>
+        <p:nvSpPr>
+          <p:cNvPr id="5" name="Rectangle 4"/>
+          <p:cNvSpPr/>
+          <p:nvPr/>
+        </p:nvSpPr>
+        <p:spPr>
+          <a:xfrm>
+            <a:off x="4800600" y="4484077"/>
+            <a:ext cx="712177" cy="1090246"/>
+          </a:xfrm>
+          <a:prstGeom prst="rect">
+            <a:avLst/>
+          </a:prstGeom>
+          <a:noFill/>
+          <a:ln w="38100">
+            <a:solidFill>
+              <a:srgbClr val="FF0000"/>
+            </a:solidFill>
+          </a:ln>
+        </p:spPr>
+        <p:style>
+          <a:lnRef idx="2">
+            <a:schemeClr val="accent1">
+              <a:shade val="50000"/>
+            </a:schemeClr>
+          </a:lnRef>
+          <a:fillRef idx="1">
+            <a:schemeClr val="accent1"/>
+          </a:fillRef>
+          <a:effectRef idx="0">
+            <a:schemeClr val="accent1"/>
+          </a:effectRef>
+          <a:fontRef idx="minor">
+            <a:schemeClr val="lt1"/>
+          </a:fontRef>
+        </p:style>
+        <p:txBody>
+          <a:bodyPr rtlCol="0" anchor="ctr"/>
+          <a:lstStyle/>
+          <a:p>
+            <a:pPr algn="ctr"/>
+            <a:endParaRPr lang="en-US"/>
+          </a:p>
+        </p:txBody>
+      </p:sp>
     </p:spTree>
     <p:extLst>
       <p:ext uri="{BB962C8B-B14F-4D97-AF65-F5344CB8AC3E}">
@@ -13466,82 +13537,39 @@
           <a:p>
             <a:r>
               <a:rPr lang="en-US" dirty="0"/>
-              <a:t>Model Results</a:t>
+              <a:t>SPSS Stream Screen Shots</a:t>
             </a:r>
           </a:p>
         </p:txBody>
       </p:sp>
-      <p:sp>
-        <p:nvSpPr>
-          <p:cNvPr id="3" name="Content Placeholder 2"/>
-          <p:cNvSpPr>
-            <a:spLocks noGrp="1"/>
-          </p:cNvSpPr>
-          <p:nvPr>
-            <p:ph idx="1"/>
-          </p:nvPr>
-        </p:nvSpPr>
-        <p:spPr/>
-        <p:txBody>
-          <a:bodyPr>
-            <a:normAutofit/>
-          </a:bodyPr>
-          <a:lstStyle/>
-          <a:p>
-            <a:r>
-              <a:rPr lang="en-US" dirty="0"/>
-              <a:t>Train (correct / incorrect)</a:t>
-            </a:r>
-          </a:p>
-          <a:p>
-            <a:pPr lvl="1"/>
-            <a:r>
-              <a:rPr lang="en-US" dirty="0"/>
-              <a:t>Polynomial : 100% / 0%</a:t>
-            </a:r>
-          </a:p>
-          <a:p>
-            <a:r>
-              <a:rPr lang="en-US" dirty="0"/>
-              <a:t>Test (correct / incorrect)</a:t>
-            </a:r>
-          </a:p>
-          <a:p>
-            <a:pPr lvl="1"/>
-            <a:r>
-              <a:rPr lang="en-US" dirty="0" err="1"/>
-              <a:t>Rbf</a:t>
-            </a:r>
-            <a:r>
-              <a:rPr lang="en-US" dirty="0"/>
-              <a:t> (Radial basis function) : 96.89% / 3.11%</a:t>
-            </a:r>
-          </a:p>
-          <a:p>
-            <a:r>
-              <a:rPr lang="en-US" dirty="0"/>
-              <a:t>Validation (correct / incorrect)</a:t>
-            </a:r>
-          </a:p>
-          <a:p>
-            <a:pPr lvl="1"/>
-            <a:r>
-              <a:rPr lang="en-US" dirty="0"/>
-              <a:t>Linear : 92.41% / 7.59%</a:t>
-            </a:r>
-          </a:p>
-          <a:p>
-            <a:pPr marL="0" indent="0">
-              <a:buNone/>
-            </a:pPr>
-            <a:endParaRPr lang="en-US" dirty="0"/>
-          </a:p>
-        </p:txBody>
-      </p:sp>
+      <p:pic>
+        <p:nvPicPr>
+          <p:cNvPr id="6" name="Picture 5"/>
+          <p:cNvPicPr>
+            <a:picLocks noChangeAspect="1"/>
+          </p:cNvPicPr>
+          <p:nvPr/>
+        </p:nvPicPr>
+        <p:blipFill>
+          <a:blip r:embed="rId2"/>
+          <a:stretch>
+            <a:fillRect/>
+          </a:stretch>
+        </p:blipFill>
+        <p:spPr>
+          <a:xfrm>
+            <a:off x="389907" y="2448169"/>
+            <a:ext cx="5061691" cy="4224093"/>
+          </a:xfrm>
+          <a:prstGeom prst="rect">
+            <a:avLst/>
+          </a:prstGeom>
+        </p:spPr>
+      </p:pic>
     </p:spTree>
     <p:extLst>
       <p:ext uri="{BB962C8B-B14F-4D97-AF65-F5344CB8AC3E}">
-        <p14:creationId xmlns:p14="http://schemas.microsoft.com/office/powerpoint/2010/main" val="2991731860"/>
+        <p14:creationId xmlns:p14="http://schemas.microsoft.com/office/powerpoint/2010/main" val="1300176505"/>
       </p:ext>
     </p:extLst>
   </p:cSld>
@@ -13585,7 +13613,7 @@
           <a:p>
             <a:r>
               <a:rPr lang="en-US" dirty="0"/>
-              <a:t>Which one to choose</a:t>
+              <a:t>Model Results</a:t>
             </a:r>
           </a:p>
         </p:txBody>
@@ -13602,29 +13630,39 @@
         </p:nvSpPr>
         <p:spPr/>
         <p:txBody>
-          <a:bodyPr/>
+          <a:bodyPr>
+            <a:normAutofit/>
+          </a:bodyPr>
           <a:lstStyle/>
           <a:p>
             <a:r>
               <a:rPr lang="en-US" dirty="0"/>
-              <a:t> The prediction accuracy obtained from the unknown set more precisely reflects the performance on classifying an independent data set.  An improved version of this procedure is known as cross-validation.</a:t>
+              <a:t>Train (correct / incorrect)</a:t>
             </a:r>
           </a:p>
           <a:p>
             <a:pPr lvl="1"/>
             <a:r>
-              <a:rPr lang="en-US" dirty="0">
-                <a:hlinkClick r:id="rId2"/>
-              </a:rPr>
-              <a:t>http://www.csie.ntu.edu.tw/%7Ecjlin/papers/guide/guide.pdf</a:t>
-            </a:r>
-            <a:endParaRPr lang="en-US" dirty="0"/>
-          </a:p>
-          <a:p>
-            <a:endParaRPr lang="en-US" dirty="0"/>
-          </a:p>
-          <a:p>
-            <a:endParaRPr lang="en-US" dirty="0"/>
+              <a:rPr lang="en-US" dirty="0"/>
+              <a:t>Polynomial : 100% / 0%</a:t>
+            </a:r>
+          </a:p>
+          <a:p>
+            <a:r>
+              <a:rPr lang="en-US" dirty="0"/>
+              <a:t>Test (correct / incorrect)</a:t>
+            </a:r>
+          </a:p>
+          <a:p>
+            <a:pPr lvl="1"/>
+            <a:r>
+              <a:rPr lang="en-US" dirty="0" err="1"/>
+              <a:t>Rbf</a:t>
+            </a:r>
+            <a:r>
+              <a:rPr lang="en-US" dirty="0"/>
+              <a:t> (Radial basis function) : 96.89% / 3.11%</a:t>
+            </a:r>
           </a:p>
           <a:p>
             <a:r>
@@ -13635,19 +13673,14 @@
           <a:p>
             <a:pPr lvl="1"/>
             <a:r>
-              <a:rPr lang="en-US" dirty="0">
-                <a:highlight>
-                  <a:srgbClr val="00FF00"/>
-                </a:highlight>
-              </a:rPr>
-              <a:t>Linear</a:t>
-            </a:r>
-            <a:r>
               <a:rPr lang="en-US" dirty="0"/>
-              <a:t> : 92.41% / 7.59%</a:t>
-            </a:r>
-          </a:p>
-          <a:p>
+              <a:t>Linear : 92.41% / 7.59%</a:t>
+            </a:r>
+          </a:p>
+          <a:p>
+            <a:pPr marL="0" indent="0">
+              <a:buNone/>
+            </a:pPr>
             <a:endParaRPr lang="en-US" dirty="0"/>
           </a:p>
         </p:txBody>
@@ -13655,7 +13688,7 @@
     </p:spTree>
     <p:extLst>
       <p:ext uri="{BB962C8B-B14F-4D97-AF65-F5344CB8AC3E}">
-        <p14:creationId xmlns:p14="http://schemas.microsoft.com/office/powerpoint/2010/main" val="1925363038"/>
+        <p14:creationId xmlns:p14="http://schemas.microsoft.com/office/powerpoint/2010/main" val="2991731860"/>
       </p:ext>
     </p:extLst>
   </p:cSld>
@@ -13699,7 +13732,7 @@
           <a:p>
             <a:r>
               <a:rPr lang="en-US" dirty="0"/>
-              <a:t>Questions and Contact</a:t>
+              <a:t>Which one to choose</a:t>
             </a:r>
           </a:p>
         </p:txBody>
@@ -13721,6 +13754,120 @@
           <a:p>
             <a:r>
               <a:rPr lang="en-US" dirty="0"/>
+              <a:t> The prediction accuracy obtained from the unknown set more precisely reflects the performance on classifying an independent data set.  An improved version of this procedure is known as cross-validation.</a:t>
+            </a:r>
+          </a:p>
+          <a:p>
+            <a:pPr lvl="1"/>
+            <a:r>
+              <a:rPr lang="en-US" dirty="0">
+                <a:hlinkClick r:id="rId2"/>
+              </a:rPr>
+              <a:t>http://www.csie.ntu.edu.tw/%7Ecjlin/papers/guide/guide.pdf</a:t>
+            </a:r>
+            <a:endParaRPr lang="en-US" dirty="0"/>
+          </a:p>
+          <a:p>
+            <a:endParaRPr lang="en-US" dirty="0"/>
+          </a:p>
+          <a:p>
+            <a:endParaRPr lang="en-US" dirty="0"/>
+          </a:p>
+          <a:p>
+            <a:r>
+              <a:rPr lang="en-US" dirty="0"/>
+              <a:t>Validation (correct / incorrect)</a:t>
+            </a:r>
+          </a:p>
+          <a:p>
+            <a:pPr lvl="1"/>
+            <a:r>
+              <a:rPr lang="en-US" dirty="0">
+                <a:highlight>
+                  <a:srgbClr val="00FF00"/>
+                </a:highlight>
+              </a:rPr>
+              <a:t>Linear</a:t>
+            </a:r>
+            <a:r>
+              <a:rPr lang="en-US" dirty="0"/>
+              <a:t> : 92.41% / 7.59%</a:t>
+            </a:r>
+          </a:p>
+          <a:p>
+            <a:endParaRPr lang="en-US" dirty="0"/>
+          </a:p>
+        </p:txBody>
+      </p:sp>
+    </p:spTree>
+    <p:extLst>
+      <p:ext uri="{BB962C8B-B14F-4D97-AF65-F5344CB8AC3E}">
+        <p14:creationId xmlns:p14="http://schemas.microsoft.com/office/powerpoint/2010/main" val="1925363038"/>
+      </p:ext>
+    </p:extLst>
+  </p:cSld>
+  <p:clrMapOvr>
+    <a:masterClrMapping/>
+  </p:clrMapOvr>
+</p:sld>
+</file>
+
+<file path=ppt/slides/slide14.xml><?xml version="1.0" encoding="utf-8"?>
+<p:sld xmlns:a="http://schemas.openxmlformats.org/drawingml/2006/main" xmlns:r="http://schemas.openxmlformats.org/officeDocument/2006/relationships" xmlns:p="http://schemas.openxmlformats.org/presentationml/2006/main">
+  <p:cSld>
+    <p:spTree>
+      <p:nvGrpSpPr>
+        <p:cNvPr id="1" name=""/>
+        <p:cNvGrpSpPr/>
+        <p:nvPr/>
+      </p:nvGrpSpPr>
+      <p:grpSpPr>
+        <a:xfrm>
+          <a:off x="0" y="0"/>
+          <a:ext cx="0" cy="0"/>
+          <a:chOff x="0" y="0"/>
+          <a:chExt cx="0" cy="0"/>
+        </a:xfrm>
+      </p:grpSpPr>
+      <p:sp>
+        <p:nvSpPr>
+          <p:cNvPr id="2" name="Title 1"/>
+          <p:cNvSpPr>
+            <a:spLocks noGrp="1"/>
+          </p:cNvSpPr>
+          <p:nvPr>
+            <p:ph type="title"/>
+          </p:nvPr>
+        </p:nvSpPr>
+        <p:spPr/>
+        <p:txBody>
+          <a:bodyPr/>
+          <a:lstStyle/>
+          <a:p>
+            <a:r>
+              <a:rPr lang="en-US" dirty="0"/>
+              <a:t>Questions and Contact</a:t>
+            </a:r>
+          </a:p>
+        </p:txBody>
+      </p:sp>
+      <p:sp>
+        <p:nvSpPr>
+          <p:cNvPr id="3" name="Content Placeholder 2"/>
+          <p:cNvSpPr>
+            <a:spLocks noGrp="1"/>
+          </p:cNvSpPr>
+          <p:nvPr>
+            <p:ph idx="1"/>
+          </p:nvPr>
+        </p:nvSpPr>
+        <p:spPr/>
+        <p:txBody>
+          <a:bodyPr/>
+          <a:lstStyle/>
+          <a:p>
+            <a:r>
+              <a:rPr lang="en-US" dirty="0"/>
               <a:t>Greg Simpson</a:t>
             </a:r>
           </a:p>
@@ -13753,6 +13900,329 @@
     <p:extLst>
       <p:ext uri="{BB962C8B-B14F-4D97-AF65-F5344CB8AC3E}">
         <p14:creationId xmlns:p14="http://schemas.microsoft.com/office/powerpoint/2010/main" val="2825897129"/>
+      </p:ext>
+    </p:extLst>
+  </p:cSld>
+  <p:clrMapOvr>
+    <a:masterClrMapping/>
+  </p:clrMapOvr>
+</p:sld>
+</file>
+
+<file path=ppt/slides/slide15.xml><?xml version="1.0" encoding="utf-8"?>
+<p:sld xmlns:a="http://schemas.openxmlformats.org/drawingml/2006/main" xmlns:r="http://schemas.openxmlformats.org/officeDocument/2006/relationships" xmlns:p="http://schemas.openxmlformats.org/presentationml/2006/main">
+  <p:cSld>
+    <p:spTree>
+      <p:nvGrpSpPr>
+        <p:cNvPr id="1" name=""/>
+        <p:cNvGrpSpPr/>
+        <p:nvPr/>
+      </p:nvGrpSpPr>
+      <p:grpSpPr>
+        <a:xfrm>
+          <a:off x="0" y="0"/>
+          <a:ext cx="0" cy="0"/>
+          <a:chOff x="0" y="0"/>
+          <a:chExt cx="0" cy="0"/>
+        </a:xfrm>
+      </p:grpSpPr>
+      <p:sp>
+        <p:nvSpPr>
+          <p:cNvPr id="2" name="Title 1"/>
+          <p:cNvSpPr>
+            <a:spLocks noGrp="1"/>
+          </p:cNvSpPr>
+          <p:nvPr>
+            <p:ph type="title"/>
+          </p:nvPr>
+        </p:nvSpPr>
+        <p:spPr/>
+        <p:txBody>
+          <a:bodyPr/>
+          <a:lstStyle/>
+          <a:p>
+            <a:r>
+              <a:rPr lang="en-US" dirty="0"/>
+              <a:t>IBM Watson Tools</a:t>
+            </a:r>
+          </a:p>
+        </p:txBody>
+      </p:sp>
+      <p:sp>
+        <p:nvSpPr>
+          <p:cNvPr id="3" name="Content Placeholder 2"/>
+          <p:cNvSpPr>
+            <a:spLocks noGrp="1"/>
+          </p:cNvSpPr>
+          <p:nvPr>
+            <p:ph idx="1"/>
+          </p:nvPr>
+        </p:nvSpPr>
+        <p:spPr/>
+        <p:txBody>
+          <a:bodyPr>
+            <a:normAutofit fontScale="92500" lnSpcReduction="20000"/>
+          </a:bodyPr>
+          <a:lstStyle/>
+          <a:p>
+            <a:r>
+              <a:rPr lang="en-US" dirty="0"/>
+              <a:t>IBM SPSS Modeler</a:t>
+            </a:r>
+          </a:p>
+          <a:p>
+            <a:pPr lvl="1"/>
+            <a:r>
+              <a:rPr lang="en-US" dirty="0">
+                <a:hlinkClick r:id="rId2"/>
+              </a:rPr>
+              <a:t>http://www-03.ibm.com/software/products/en/spss-modeler</a:t>
+            </a:r>
+            <a:endParaRPr lang="en-US" dirty="0"/>
+          </a:p>
+          <a:p>
+            <a:pPr lvl="1"/>
+            <a:r>
+              <a:rPr lang="en-US" dirty="0"/>
+              <a:t>Covers 3 main phases</a:t>
+            </a:r>
+          </a:p>
+          <a:p>
+            <a:pPr lvl="2"/>
+            <a:r>
+              <a:rPr lang="en-US" dirty="0"/>
+              <a:t>Data ingestion and manipulation</a:t>
+            </a:r>
+          </a:p>
+          <a:p>
+            <a:pPr lvl="3"/>
+            <a:r>
+              <a:rPr lang="en-US" dirty="0"/>
+              <a:t>Easy, fast, repeatable</a:t>
+            </a:r>
+          </a:p>
+          <a:p>
+            <a:pPr lvl="3"/>
+            <a:r>
+              <a:rPr lang="en-US" dirty="0"/>
+              <a:t>Simple data partitioning into Train-Test-Validation data sets</a:t>
+            </a:r>
+          </a:p>
+          <a:p>
+            <a:pPr lvl="2"/>
+            <a:r>
+              <a:rPr lang="en-US" dirty="0"/>
+              <a:t>Modeling</a:t>
+            </a:r>
+          </a:p>
+          <a:p>
+            <a:pPr lvl="3"/>
+            <a:r>
+              <a:rPr lang="en-US" dirty="0"/>
+              <a:t>Icon based configurations</a:t>
+            </a:r>
+          </a:p>
+          <a:p>
+            <a:pPr lvl="3"/>
+            <a:r>
+              <a:rPr lang="en-US" dirty="0"/>
+              <a:t>Parallel and serial capabilities</a:t>
+            </a:r>
+          </a:p>
+          <a:p>
+            <a:pPr lvl="2"/>
+            <a:r>
+              <a:rPr lang="en-US" dirty="0"/>
+              <a:t>Display</a:t>
+            </a:r>
+          </a:p>
+          <a:p>
+            <a:pPr lvl="3"/>
+            <a:r>
+              <a:rPr lang="en-US" dirty="0"/>
+              <a:t>Not the strongest</a:t>
+            </a:r>
+          </a:p>
+          <a:p>
+            <a:pPr lvl="3"/>
+            <a:r>
+              <a:rPr lang="en-US" dirty="0"/>
+              <a:t>Other tools are better</a:t>
+            </a:r>
+          </a:p>
+          <a:p>
+            <a:pPr lvl="2"/>
+            <a:endParaRPr lang="en-US" dirty="0"/>
+          </a:p>
+        </p:txBody>
+      </p:sp>
+    </p:spTree>
+    <p:extLst>
+      <p:ext uri="{BB962C8B-B14F-4D97-AF65-F5344CB8AC3E}">
+        <p14:creationId xmlns:p14="http://schemas.microsoft.com/office/powerpoint/2010/main" val="4033208215"/>
+      </p:ext>
+    </p:extLst>
+  </p:cSld>
+  <p:clrMapOvr>
+    <a:masterClrMapping/>
+  </p:clrMapOvr>
+</p:sld>
+</file>
+
+<file path=ppt/slides/slide16.xml><?xml version="1.0" encoding="utf-8"?>
+<p:sld xmlns:a="http://schemas.openxmlformats.org/drawingml/2006/main" xmlns:r="http://schemas.openxmlformats.org/officeDocument/2006/relationships" xmlns:p="http://schemas.openxmlformats.org/presentationml/2006/main">
+  <p:cSld>
+    <p:spTree>
+      <p:nvGrpSpPr>
+        <p:cNvPr id="1" name=""/>
+        <p:cNvGrpSpPr/>
+        <p:nvPr/>
+      </p:nvGrpSpPr>
+      <p:grpSpPr>
+        <a:xfrm>
+          <a:off x="0" y="0"/>
+          <a:ext cx="0" cy="0"/>
+          <a:chOff x="0" y="0"/>
+          <a:chExt cx="0" cy="0"/>
+        </a:xfrm>
+      </p:grpSpPr>
+      <p:sp>
+        <p:nvSpPr>
+          <p:cNvPr id="2" name="Title 1"/>
+          <p:cNvSpPr>
+            <a:spLocks noGrp="1"/>
+          </p:cNvSpPr>
+          <p:nvPr>
+            <p:ph type="title"/>
+          </p:nvPr>
+        </p:nvSpPr>
+        <p:spPr/>
+        <p:txBody>
+          <a:bodyPr/>
+          <a:lstStyle/>
+          <a:p>
+            <a:r>
+              <a:rPr lang="en-US" dirty="0"/>
+              <a:t>Data Science</a:t>
+            </a:r>
+          </a:p>
+        </p:txBody>
+      </p:sp>
+      <p:sp>
+        <p:nvSpPr>
+          <p:cNvPr id="3" name="Content Placeholder 2"/>
+          <p:cNvSpPr>
+            <a:spLocks noGrp="1"/>
+          </p:cNvSpPr>
+          <p:nvPr>
+            <p:ph idx="1"/>
+          </p:nvPr>
+        </p:nvSpPr>
+        <p:spPr/>
+        <p:txBody>
+          <a:bodyPr>
+            <a:normAutofit/>
+          </a:bodyPr>
+          <a:lstStyle/>
+          <a:p>
+            <a:r>
+              <a:rPr lang="en-US" dirty="0"/>
+              <a:t>SVM Classifier</a:t>
+            </a:r>
+          </a:p>
+          <a:p>
+            <a:pPr lvl="1"/>
+            <a:r>
+              <a:rPr lang="en-US" dirty="0"/>
+              <a:t>Support Vector Machine</a:t>
+            </a:r>
+          </a:p>
+          <a:p>
+            <a:pPr lvl="2"/>
+            <a:r>
+              <a:rPr lang="en-US" dirty="0">
+                <a:hlinkClick r:id="rId2" tooltip="Supervised learning"/>
+              </a:rPr>
+              <a:t>supervised learning</a:t>
+            </a:r>
+            <a:r>
+              <a:rPr lang="en-US" dirty="0"/>
+              <a:t> models analyze data used for </a:t>
+            </a:r>
+            <a:r>
+              <a:rPr lang="en-US" dirty="0">
+                <a:hlinkClick r:id="rId3" tooltip="Statistical classification"/>
+              </a:rPr>
+              <a:t>classification</a:t>
+            </a:r>
+            <a:r>
+              <a:rPr lang="en-US" dirty="0"/>
+              <a:t> and </a:t>
+            </a:r>
+            <a:r>
+              <a:rPr lang="en-US" dirty="0">
+                <a:hlinkClick r:id="rId4" tooltip="Regression analysis"/>
+              </a:rPr>
+              <a:t>regression analysis</a:t>
+            </a:r>
+            <a:r>
+              <a:rPr lang="en-US" dirty="0"/>
+              <a:t>.</a:t>
+            </a:r>
+          </a:p>
+          <a:p>
+            <a:pPr lvl="2"/>
+            <a:r>
+              <a:rPr lang="en-US" dirty="0"/>
+              <a:t>Existing data is mapped so that the examples of the separate categories are divided by a clear gap that is as wide as possible (called a hyperplane). New examples are then mapped into that same space and predicted to belong to a category based on which side of the gap they fall on.</a:t>
+            </a:r>
+          </a:p>
+          <a:p>
+            <a:pPr lvl="3"/>
+            <a:r>
+              <a:rPr lang="en-US" dirty="0"/>
+              <a:t>https://en.wikipedia.org/wiki/Kernel_method</a:t>
+            </a:r>
+          </a:p>
+          <a:p>
+            <a:pPr lvl="1"/>
+            <a:r>
+              <a:rPr lang="en-US" dirty="0"/>
+              <a:t>Kernels</a:t>
+            </a:r>
+          </a:p>
+          <a:p>
+            <a:pPr lvl="2"/>
+            <a:r>
+              <a:rPr lang="en-US" dirty="0"/>
+              <a:t>Mathematical functions used to project data to increase separation</a:t>
+            </a:r>
+          </a:p>
+          <a:p>
+            <a:pPr lvl="3"/>
+            <a:r>
+              <a:rPr lang="en-US" dirty="0"/>
+              <a:t>RBF, </a:t>
+            </a:r>
+            <a:r>
+              <a:rPr lang="en-US" dirty="0" err="1"/>
+              <a:t>Polymomial</a:t>
+            </a:r>
+            <a:r>
+              <a:rPr lang="en-US" dirty="0"/>
+              <a:t>, Sigmoid, Linear</a:t>
+            </a:r>
+          </a:p>
+          <a:p>
+            <a:pPr lvl="2"/>
+            <a:endParaRPr lang="en-US" dirty="0"/>
+          </a:p>
+        </p:txBody>
+      </p:sp>
+    </p:spTree>
+    <p:extLst>
+      <p:ext uri="{BB962C8B-B14F-4D97-AF65-F5344CB8AC3E}">
+        <p14:creationId xmlns:p14="http://schemas.microsoft.com/office/powerpoint/2010/main" val="2508940193"/>
       </p:ext>
     </p:extLst>
   </p:cSld>
@@ -14039,7 +14509,7 @@
             <a:pPr lvl="1"/>
             <a:r>
               <a:rPr lang="en-US" dirty="0"/>
-              <a:t>Health Domain Dataset</a:t>
+              <a:t>HealthCare Domain</a:t>
             </a:r>
           </a:p>
           <a:p>
@@ -14105,7 +14575,7 @@
           <a:p>
             <a:r>
               <a:rPr lang="en-US" dirty="0"/>
-              <a:t>Health Domain Dataset</a:t>
+              <a:t>HealthCare Domain</a:t>
             </a:r>
           </a:p>
         </p:txBody>
@@ -14256,7 +14726,7 @@
             <a:pPr lvl="1"/>
             <a:r>
               <a:rPr lang="en-US" dirty="0"/>
-              <a:t>Health Domain Dataset</a:t>
+              <a:t>HealthCare Domain</a:t>
             </a:r>
           </a:p>
           <a:p>
@@ -14326,14 +14796,38 @@
           <a:p>
             <a:r>
               <a:rPr lang="en-US" dirty="0"/>
-              <a:t>Data Science</a:t>
+              <a:t>Support Vector Machine (SVM)</a:t>
             </a:r>
           </a:p>
         </p:txBody>
       </p:sp>
+      <p:pic>
+        <p:nvPicPr>
+          <p:cNvPr id="5" name="Picture 4"/>
+          <p:cNvPicPr>
+            <a:picLocks noChangeAspect="1"/>
+          </p:cNvPicPr>
+          <p:nvPr/>
+        </p:nvPicPr>
+        <p:blipFill>
+          <a:blip r:embed="rId2"/>
+          <a:stretch>
+            <a:fillRect/>
+          </a:stretch>
+        </p:blipFill>
+        <p:spPr>
+          <a:xfrm>
+            <a:off x="249114" y="2254423"/>
+            <a:ext cx="4173418" cy="4117773"/>
+          </a:xfrm>
+          <a:prstGeom prst="rect">
+            <a:avLst/>
+          </a:prstGeom>
+        </p:spPr>
+      </p:pic>
       <p:sp>
         <p:nvSpPr>
-          <p:cNvPr id="3" name="Content Placeholder 2"/>
+          <p:cNvPr id="6" name="Content Placeholder 5"/>
           <p:cNvSpPr>
             <a:spLocks noGrp="1"/>
           </p:cNvSpPr>
@@ -14341,103 +14835,41 @@
             <p:ph idx="1"/>
           </p:nvPr>
         </p:nvSpPr>
-        <p:spPr/>
+        <p:spPr>
+          <a:xfrm>
+            <a:off x="4783014" y="2450827"/>
+            <a:ext cx="3736732" cy="3921369"/>
+          </a:xfrm>
+        </p:spPr>
         <p:txBody>
-          <a:bodyPr>
-            <a:normAutofit/>
-          </a:bodyPr>
+          <a:bodyPr/>
           <a:lstStyle/>
           <a:p>
             <a:r>
               <a:rPr lang="en-US" dirty="0"/>
-              <a:t>SVM Classifier</a:t>
+              <a:t>Hyperplane</a:t>
             </a:r>
           </a:p>
           <a:p>
             <a:pPr lvl="1"/>
             <a:r>
               <a:rPr lang="en-US" dirty="0"/>
-              <a:t>Support Vector Machine</a:t>
-            </a:r>
-          </a:p>
-          <a:p>
-            <a:pPr lvl="2"/>
-            <a:r>
-              <a:rPr lang="en-US" dirty="0">
-                <a:hlinkClick r:id="rId2" tooltip="Supervised learning"/>
-              </a:rPr>
-              <a:t>supervised learning</a:t>
-            </a:r>
+              <a:t>best separates two classes of points with the maximum margin. </a:t>
+            </a:r>
+          </a:p>
+          <a:p>
+            <a:pPr lvl="1"/>
+            <a:endParaRPr lang="en-US" dirty="0"/>
+          </a:p>
+          <a:p>
+            <a:pPr lvl="1"/>
             <a:r>
               <a:rPr lang="en-US" dirty="0"/>
-              <a:t> models analyze data used for </a:t>
-            </a:r>
-            <a:r>
-              <a:rPr lang="en-US" dirty="0">
-                <a:hlinkClick r:id="rId3" tooltip="Statistical classification"/>
-              </a:rPr>
-              <a:t>classification</a:t>
-            </a:r>
-            <a:r>
-              <a:rPr lang="en-US" dirty="0"/>
-              <a:t> and </a:t>
-            </a:r>
-            <a:r>
-              <a:rPr lang="en-US" dirty="0">
-                <a:hlinkClick r:id="rId4" tooltip="Regression analysis"/>
-              </a:rPr>
-              <a:t>regression analysis</a:t>
-            </a:r>
-            <a:r>
-              <a:rPr lang="en-US" dirty="0"/>
-              <a:t>.</a:t>
-            </a:r>
-          </a:p>
-          <a:p>
-            <a:pPr lvl="2"/>
-            <a:r>
-              <a:rPr lang="en-US" dirty="0"/>
-              <a:t>Existing data is mapped so that the examples of the separate categories are divided by a clear gap that is as wide as possible (called a hyperplane). New examples are then mapped into that same space and predicted to belong to a category based on which side of the gap they fall on.</a:t>
-            </a:r>
-          </a:p>
-          <a:p>
-            <a:pPr lvl="3"/>
-            <a:r>
-              <a:rPr lang="en-US" dirty="0"/>
-              <a:t>https://en.wikipedia.org/wiki/Kernel_method</a:t>
+              <a:t>https://www.quora.com/What-does-support-vector-machine-SVM-mean-in-laymans-terms</a:t>
             </a:r>
           </a:p>
           <a:p>
             <a:pPr lvl="1"/>
-            <a:r>
-              <a:rPr lang="en-US" dirty="0"/>
-              <a:t>Kernels</a:t>
-            </a:r>
-          </a:p>
-          <a:p>
-            <a:pPr lvl="2"/>
-            <a:r>
-              <a:rPr lang="en-US" dirty="0"/>
-              <a:t>Mathematical functions used to project data to increase separation</a:t>
-            </a:r>
-          </a:p>
-          <a:p>
-            <a:pPr lvl="3"/>
-            <a:r>
-              <a:rPr lang="en-US" dirty="0"/>
-              <a:t>RBF, </a:t>
-            </a:r>
-            <a:r>
-              <a:rPr lang="en-US" dirty="0" err="1"/>
-              <a:t>Polymomial</a:t>
-            </a:r>
-            <a:r>
-              <a:rPr lang="en-US" dirty="0"/>
-              <a:t>, Sigmoid, Linear</a:t>
-            </a:r>
-          </a:p>
-          <a:p>
-            <a:pPr lvl="2"/>
             <a:endParaRPr lang="en-US" dirty="0"/>
           </a:p>
         </p:txBody>
@@ -14445,7 +14877,7 @@
     </p:spTree>
     <p:extLst>
       <p:ext uri="{BB962C8B-B14F-4D97-AF65-F5344CB8AC3E}">
-        <p14:creationId xmlns:p14="http://schemas.microsoft.com/office/powerpoint/2010/main" val="2508940193"/>
+        <p14:creationId xmlns:p14="http://schemas.microsoft.com/office/powerpoint/2010/main" val="1834491937"/>
       </p:ext>
     </p:extLst>
   </p:cSld>
@@ -14489,62 +14921,38 @@
           <a:p>
             <a:r>
               <a:rPr lang="en-US" dirty="0"/>
-              <a:t>3 GOALS for Capstone</a:t>
+              <a:t>Kernels Project Data to Increase Separation</a:t>
             </a:r>
           </a:p>
         </p:txBody>
       </p:sp>
-      <p:sp>
-        <p:nvSpPr>
-          <p:cNvPr id="3" name="Content Placeholder 2"/>
-          <p:cNvSpPr>
-            <a:spLocks noGrp="1"/>
-          </p:cNvSpPr>
+      <p:pic>
+        <p:nvPicPr>
+          <p:cNvPr id="4" name="Content Placeholder 3"/>
+          <p:cNvPicPr>
+            <a:picLocks noGrp="1" noChangeAspect="1"/>
+          </p:cNvPicPr>
           <p:nvPr>
             <p:ph idx="1"/>
           </p:nvPr>
-        </p:nvSpPr>
-        <p:spPr/>
-        <p:txBody>
-          <a:bodyPr/>
-          <a:lstStyle/>
-          <a:p>
-            <a:r>
-              <a:rPr lang="en-US" dirty="0"/>
-              <a:t>Combine </a:t>
-            </a:r>
-          </a:p>
-          <a:p>
-            <a:pPr lvl="1"/>
-            <a:r>
-              <a:rPr lang="en-US" dirty="0"/>
-              <a:t>Health Domain Dataset</a:t>
-            </a:r>
-          </a:p>
-          <a:p>
-            <a:pPr lvl="1"/>
-            <a:r>
-              <a:rPr lang="en-US" dirty="0"/>
-              <a:t>Data Science</a:t>
-            </a:r>
-          </a:p>
-          <a:p>
-            <a:pPr lvl="1"/>
-            <a:r>
-              <a:rPr lang="en-US" dirty="0">
-                <a:highlight>
-                  <a:srgbClr val="00FFFF"/>
-                </a:highlight>
-              </a:rPr>
-              <a:t>IBM Watson Tools</a:t>
-            </a:r>
-          </a:p>
-        </p:txBody>
-      </p:sp>
+        </p:nvPicPr>
+        <p:blipFill>
+          <a:blip r:embed="rId2"/>
+          <a:stretch>
+            <a:fillRect/>
+          </a:stretch>
+        </p:blipFill>
+        <p:spPr>
+          <a:xfrm>
+            <a:off x="605630" y="2463778"/>
+            <a:ext cx="7338219" cy="4105297"/>
+          </a:xfrm>
+        </p:spPr>
+      </p:pic>
     </p:spTree>
     <p:extLst>
       <p:ext uri="{BB962C8B-B14F-4D97-AF65-F5344CB8AC3E}">
-        <p14:creationId xmlns:p14="http://schemas.microsoft.com/office/powerpoint/2010/main" val="2195502693"/>
+        <p14:creationId xmlns:p14="http://schemas.microsoft.com/office/powerpoint/2010/main" val="748810471"/>
       </p:ext>
     </p:extLst>
   </p:cSld>
@@ -14588,7 +14996,7 @@
           <a:p>
             <a:r>
               <a:rPr lang="en-US" dirty="0"/>
-              <a:t>IBM Watson Tools</a:t>
+              <a:t>3 GOALS for Capstone</a:t>
             </a:r>
           </a:p>
         </p:txBody>
@@ -14605,106 +15013,45 @@
         </p:nvSpPr>
         <p:spPr/>
         <p:txBody>
-          <a:bodyPr>
-            <a:normAutofit fontScale="92500" lnSpcReduction="20000"/>
-          </a:bodyPr>
+          <a:bodyPr/>
           <a:lstStyle/>
           <a:p>
             <a:r>
               <a:rPr lang="en-US" dirty="0"/>
-              <a:t>IBM SPSS Modeler</a:t>
+              <a:t>Combine </a:t>
             </a:r>
           </a:p>
           <a:p>
             <a:pPr lvl="1"/>
             <a:r>
+              <a:rPr lang="en-US" dirty="0"/>
+              <a:t>HealthCare Domain</a:t>
+            </a:r>
+          </a:p>
+          <a:p>
+            <a:pPr lvl="1"/>
+            <a:r>
+              <a:rPr lang="en-US" dirty="0"/>
+              <a:t>Data Science</a:t>
+            </a:r>
+          </a:p>
+          <a:p>
+            <a:pPr lvl="1"/>
+            <a:r>
               <a:rPr lang="en-US" dirty="0">
-                <a:hlinkClick r:id="rId2"/>
+                <a:highlight>
+                  <a:srgbClr val="00FFFF"/>
+                </a:highlight>
               </a:rPr>
-              <a:t>http://www-03.ibm.com/software/products/en/spss-modeler</a:t>
-            </a:r>
-            <a:endParaRPr lang="en-US" dirty="0"/>
-          </a:p>
-          <a:p>
-            <a:pPr lvl="1"/>
-            <a:r>
-              <a:rPr lang="en-US" dirty="0"/>
-              <a:t>Covers 3 main phases</a:t>
-            </a:r>
-          </a:p>
-          <a:p>
-            <a:pPr lvl="2"/>
-            <a:r>
-              <a:rPr lang="en-US" dirty="0"/>
-              <a:t>Data ingestion and manipulation</a:t>
-            </a:r>
-          </a:p>
-          <a:p>
-            <a:pPr lvl="3"/>
-            <a:r>
-              <a:rPr lang="en-US" dirty="0"/>
-              <a:t>Easy, fast, repeatable</a:t>
-            </a:r>
-          </a:p>
-          <a:p>
-            <a:pPr lvl="3"/>
-            <a:r>
-              <a:rPr lang="en-US" dirty="0"/>
-              <a:t>Simple data partitioning into Train-Test-Validation data sets</a:t>
-            </a:r>
-          </a:p>
-          <a:p>
-            <a:pPr lvl="2"/>
-            <a:r>
-              <a:rPr lang="en-US" dirty="0"/>
-              <a:t>Modeling</a:t>
-            </a:r>
-          </a:p>
-          <a:p>
-            <a:pPr lvl="3"/>
-            <a:r>
-              <a:rPr lang="en-US" dirty="0"/>
-              <a:t>Icon based configurations</a:t>
-            </a:r>
-          </a:p>
-          <a:p>
-            <a:pPr lvl="3"/>
-            <a:r>
-              <a:rPr lang="en-US" dirty="0"/>
-              <a:t>Parallel and serial capabilities</a:t>
-            </a:r>
-          </a:p>
-          <a:p>
-            <a:pPr lvl="2"/>
-            <a:r>
-              <a:rPr lang="en-US" dirty="0"/>
-              <a:t>Display</a:t>
-            </a:r>
-          </a:p>
-          <a:p>
-            <a:pPr lvl="3"/>
-            <a:r>
-              <a:rPr lang="en-US" dirty="0"/>
-              <a:t>Not the strongest</a:t>
-            </a:r>
-          </a:p>
-          <a:p>
-            <a:pPr lvl="3"/>
-            <a:r>
-              <a:rPr lang="en-US" dirty="0"/>
-              <a:t>Other tools are better</a:t>
-            </a:r>
-          </a:p>
-          <a:p>
-            <a:pPr lvl="2"/>
-            <a:endParaRPr lang="en-US" dirty="0"/>
+              <a:t>IBM Watson Tools</a:t>
+            </a:r>
           </a:p>
         </p:txBody>
       </p:sp>
     </p:spTree>
     <p:extLst>
       <p:ext uri="{BB962C8B-B14F-4D97-AF65-F5344CB8AC3E}">
-        <p14:creationId xmlns:p14="http://schemas.microsoft.com/office/powerpoint/2010/main" val="4033208215"/>
+        <p14:creationId xmlns:p14="http://schemas.microsoft.com/office/powerpoint/2010/main" val="2195502693"/>
       </p:ext>
     </p:extLst>
   </p:cSld>

--- a/docs/gsimpson-CapstonePresentation.pptx
+++ b/docs/gsimpson-CapstonePresentation.pptx
@@ -19,8 +19,6 @@
     <p:sldId id="264" r:id="rId13"/>
     <p:sldId id="261" r:id="rId14"/>
     <p:sldId id="276" r:id="rId15"/>
-    <p:sldId id="262" r:id="rId16"/>
-    <p:sldId id="260" r:id="rId17"/>
   </p:sldIdLst>
   <p:sldSz cx="12192000" cy="6858000"/>
   <p:notesSz cx="6858000" cy="9144000"/>
@@ -463,7 +461,7 @@
             <a:fld id="{5923F103-BC34-4FE4-A40E-EDDEECFDA5D0}" type="datetimeFigureOut">
               <a:rPr lang="en-US" dirty="0"/>
               <a:pPr/>
-              <a:t>11/12/2016</a:t>
+              <a:t>11/14/2016</a:t>
             </a:fld>
             <a:endParaRPr lang="en-US" dirty="0"/>
           </a:p>
@@ -1551,7 +1549,7 @@
           <a:p>
             <a:fld id="{923A1CC3-2375-41D4-9E03-427CAF2A4C1A}" type="datetimeFigureOut">
               <a:rPr lang="en-US" dirty="0"/>
-              <a:t>11/12/2016</a:t>
+              <a:t>11/14/2016</a:t>
             </a:fld>
             <a:endParaRPr lang="en-US" dirty="0"/>
           </a:p>
@@ -2531,7 +2529,7 @@
           <a:p>
             <a:fld id="{AFF16868-8199-4C2C-A5B1-63AEE139F88E}" type="datetimeFigureOut">
               <a:rPr lang="en-US" dirty="0"/>
-              <a:t>11/12/2016</a:t>
+              <a:t>11/14/2016</a:t>
             </a:fld>
             <a:endParaRPr lang="en-US" dirty="0"/>
           </a:p>
@@ -3665,7 +3663,7 @@
           <a:p>
             <a:fld id="{AAD9FF7F-6988-44CC-821B-644E70CD2F73}" type="datetimeFigureOut">
               <a:rPr lang="en-US" dirty="0"/>
-              <a:t>11/12/2016</a:t>
+              <a:t>11/14/2016</a:t>
             </a:fld>
             <a:endParaRPr lang="en-US" dirty="0"/>
           </a:p>
@@ -4698,7 +4696,7 @@
           <a:p>
             <a:fld id="{5C12C299-16B2-4475-990D-751901EACC14}" type="datetimeFigureOut">
               <a:rPr lang="en-US" dirty="0"/>
-              <a:t>11/12/2016</a:t>
+              <a:t>11/14/2016</a:t>
             </a:fld>
             <a:endParaRPr lang="en-US" dirty="0"/>
           </a:p>
@@ -5358,7 +5356,7 @@
           <a:p>
             <a:fld id="{9FE86839-B9D8-4651-8783-F325ECE74E65}" type="datetimeFigureOut">
               <a:rPr lang="en-US" dirty="0"/>
-              <a:t>11/12/2016</a:t>
+              <a:t>11/14/2016</a:t>
             </a:fld>
             <a:endParaRPr lang="en-US" dirty="0"/>
           </a:p>
@@ -6219,7 +6217,7 @@
           <a:p>
             <a:fld id="{FD484F64-32F6-45C5-931F-ADC1662401D0}" type="datetimeFigureOut">
               <a:rPr lang="en-US" dirty="0"/>
-              <a:t>11/12/2016</a:t>
+              <a:t>11/14/2016</a:t>
             </a:fld>
             <a:endParaRPr lang="en-US" dirty="0"/>
           </a:p>
@@ -6409,7 +6407,7 @@
           <a:p>
             <a:fld id="{53086D93-FCAC-47E0-A2EE-787E62CA814C}" type="datetimeFigureOut">
               <a:rPr lang="en-US" dirty="0"/>
-              <a:t>11/12/2016</a:t>
+              <a:t>11/14/2016</a:t>
             </a:fld>
             <a:endParaRPr lang="en-US" dirty="0"/>
           </a:p>
@@ -7381,7 +7379,7 @@
           <a:p>
             <a:fld id="{CDA879A6-0FD0-4734-A311-86BFCA472E6E}" type="datetimeFigureOut">
               <a:rPr lang="en-US" dirty="0"/>
-              <a:t>11/12/2016</a:t>
+              <a:t>11/14/2016</a:t>
             </a:fld>
             <a:endParaRPr lang="en-US" dirty="0"/>
           </a:p>
@@ -7592,7 +7590,7 @@
           <a:p>
             <a:fld id="{19C9CA7B-DFD4-44B5-8C60-D14B8CD1FB59}" type="datetimeFigureOut">
               <a:rPr lang="en-US" dirty="0"/>
-              <a:t>11/12/2016</a:t>
+              <a:t>11/14/2016</a:t>
             </a:fld>
             <a:endParaRPr lang="en-US" dirty="0"/>
           </a:p>
@@ -8626,7 +8624,7 @@
           <a:p>
             <a:fld id="{F34E6425-0181-43F2-84FC-787E803FD2F8}" type="datetimeFigureOut">
               <a:rPr lang="en-US" dirty="0"/>
-              <a:t>11/12/2016</a:t>
+              <a:t>11/14/2016</a:t>
             </a:fld>
             <a:endParaRPr lang="en-US" dirty="0"/>
           </a:p>
@@ -8898,7 +8896,7 @@
           <a:p>
             <a:fld id="{3BDB8791-F1B0-41E7-B7FD-A781E65C4266}" type="datetimeFigureOut">
               <a:rPr lang="en-US" dirty="0"/>
-              <a:t>11/12/2016</a:t>
+              <a:t>11/14/2016</a:t>
             </a:fld>
             <a:endParaRPr lang="en-US" dirty="0"/>
           </a:p>
@@ -9308,7 +9306,7 @@
           <a:p>
             <a:fld id="{5FDD63B2-E120-4ED8-B27B-C685F510A5FE}" type="datetimeFigureOut">
               <a:rPr lang="en-US" dirty="0"/>
-              <a:t>11/12/2016</a:t>
+              <a:t>11/14/2016</a:t>
             </a:fld>
             <a:endParaRPr lang="en-US" dirty="0"/>
           </a:p>
@@ -9435,7 +9433,7 @@
           <a:p>
             <a:fld id="{7AA18ACC-A947-437B-A130-35BD54FDF1E9}" type="datetimeFigureOut">
               <a:rPr lang="en-US" dirty="0"/>
-              <a:t>11/12/2016</a:t>
+              <a:t>11/14/2016</a:t>
             </a:fld>
             <a:endParaRPr lang="en-US" dirty="0"/>
           </a:p>
@@ -9530,7 +9528,7 @@
           <a:p>
             <a:fld id="{7C8D7E02-BCB8-4D50-A234-369438C08659}" type="datetimeFigureOut">
               <a:rPr lang="en-US" dirty="0"/>
-              <a:t>11/12/2016</a:t>
+              <a:t>11/14/2016</a:t>
             </a:fld>
             <a:endParaRPr lang="en-US" dirty="0"/>
           </a:p>
@@ -10611,7 +10609,7 @@
           <a:p>
             <a:fld id="{76E86A4C-8E40-4F87-A4F0-01A0687C5742}" type="datetimeFigureOut">
               <a:rPr lang="en-US" dirty="0"/>
-              <a:t>11/12/2016</a:t>
+              <a:t>11/14/2016</a:t>
             </a:fld>
             <a:endParaRPr lang="en-US" dirty="0"/>
           </a:p>
@@ -11719,7 +11717,7 @@
           <a:p>
             <a:fld id="{35E72C73-2D91-4E12-BA25-F0AA0C03599B}" type="datetimeFigureOut">
               <a:rPr lang="en-US" dirty="0"/>
-              <a:t>11/12/2016</a:t>
+              <a:t>11/14/2016</a:t>
             </a:fld>
             <a:endParaRPr lang="en-US" dirty="0"/>
           </a:p>
@@ -12716,7 +12714,7 @@
           <a:p>
             <a:fld id="{2BE451C3-0FF4-47C4-B829-773ADF60F88C}" type="datetimeFigureOut">
               <a:rPr lang="en-US" dirty="0"/>
-              <a:t>11/12/2016</a:t>
+              <a:t>11/14/2016</a:t>
             </a:fld>
             <a:endParaRPr lang="en-US" dirty="0"/>
           </a:p>
@@ -13636,44 +13634,44 @@
           <a:lstStyle/>
           <a:p>
             <a:r>
-              <a:rPr lang="en-US" dirty="0"/>
+              <a:rPr lang="en-US" sz="2400" dirty="0"/>
               <a:t>Train (correct / incorrect)</a:t>
             </a:r>
           </a:p>
           <a:p>
             <a:pPr lvl="1"/>
             <a:r>
-              <a:rPr lang="en-US" dirty="0"/>
+              <a:rPr lang="en-US" sz="2000" dirty="0"/>
               <a:t>Polynomial : 100% / 0%</a:t>
             </a:r>
           </a:p>
           <a:p>
             <a:r>
-              <a:rPr lang="en-US" dirty="0"/>
+              <a:rPr lang="en-US" sz="2400" dirty="0"/>
               <a:t>Test (correct / incorrect)</a:t>
             </a:r>
           </a:p>
           <a:p>
             <a:pPr lvl="1"/>
             <a:r>
-              <a:rPr lang="en-US" dirty="0" err="1"/>
+              <a:rPr lang="en-US" sz="2000" dirty="0" err="1"/>
               <a:t>Rbf</a:t>
             </a:r>
             <a:r>
-              <a:rPr lang="en-US" dirty="0"/>
+              <a:rPr lang="en-US" sz="2000" dirty="0"/>
               <a:t> (Radial basis function) : 96.89% / 3.11%</a:t>
             </a:r>
           </a:p>
           <a:p>
             <a:r>
-              <a:rPr lang="en-US" dirty="0"/>
+              <a:rPr lang="en-US" sz="2400" dirty="0"/>
               <a:t>Validation (correct / incorrect)</a:t>
             </a:r>
           </a:p>
           <a:p>
             <a:pPr lvl="1"/>
             <a:r>
-              <a:rPr lang="en-US" dirty="0"/>
+              <a:rPr lang="en-US" sz="2000" dirty="0"/>
               <a:t>Linear : 92.41% / 7.59%</a:t>
             </a:r>
           </a:p>
@@ -13749,40 +13747,26 @@
         </p:nvSpPr>
         <p:spPr/>
         <p:txBody>
-          <a:bodyPr/>
+          <a:bodyPr>
+            <a:normAutofit fontScale="92500" lnSpcReduction="20000"/>
+          </a:bodyPr>
           <a:lstStyle/>
           <a:p>
-            <a:r>
-              <a:rPr lang="en-US" dirty="0"/>
-              <a:t> The prediction accuracy obtained from the unknown set more precisely reflects the performance on classifying an independent data set.  An improved version of this procedure is known as cross-validation.</a:t>
+            <a:pPr marL="0" indent="0">
+              <a:buNone/>
+            </a:pPr>
+            <a:endParaRPr lang="en-US" dirty="0"/>
+          </a:p>
+          <a:p>
+            <a:r>
+              <a:rPr lang="en-US" sz="2400" dirty="0"/>
+              <a:t>Validation (correct / incorrect)</a:t>
             </a:r>
           </a:p>
           <a:p>
             <a:pPr lvl="1"/>
             <a:r>
-              <a:rPr lang="en-US" dirty="0">
-                <a:hlinkClick r:id="rId2"/>
-              </a:rPr>
-              <a:t>http://www.csie.ntu.edu.tw/%7Ecjlin/papers/guide/guide.pdf</a:t>
-            </a:r>
-            <a:endParaRPr lang="en-US" dirty="0"/>
-          </a:p>
-          <a:p>
-            <a:endParaRPr lang="en-US" dirty="0"/>
-          </a:p>
-          <a:p>
-            <a:endParaRPr lang="en-US" dirty="0"/>
-          </a:p>
-          <a:p>
-            <a:r>
-              <a:rPr lang="en-US" dirty="0"/>
-              <a:t>Validation (correct / incorrect)</a:t>
-            </a:r>
-          </a:p>
-          <a:p>
-            <a:pPr lvl="1"/>
-            <a:r>
-              <a:rPr lang="en-US" dirty="0">
+              <a:rPr lang="en-US" sz="2000" dirty="0">
                 <a:highlight>
                   <a:srgbClr val="00FF00"/>
                 </a:highlight>
@@ -13790,9 +13774,40 @@
               <a:t>Linear</a:t>
             </a:r>
             <a:r>
+              <a:rPr lang="en-US" sz="2000" dirty="0"/>
+              <a:t> : 92.41% / 7.59%</a:t>
+            </a:r>
+          </a:p>
+          <a:p>
+            <a:pPr lvl="1"/>
+            <a:endParaRPr lang="en-US" sz="2000" dirty="0"/>
+          </a:p>
+          <a:p>
+            <a:pPr lvl="1"/>
+            <a:endParaRPr lang="en-US" sz="2000" dirty="0"/>
+          </a:p>
+          <a:p>
+            <a:pPr lvl="1"/>
+            <a:endParaRPr lang="en-US" sz="2000" dirty="0"/>
+          </a:p>
+          <a:p>
+            <a:r>
               <a:rPr lang="en-US" dirty="0"/>
-              <a:t> : 92.41% / 7.59%</a:t>
-            </a:r>
+              <a:t>The prediction accuracy obtained from the unknown set more precisely reflects the performance on classifying an independent data set.  An improved version of this procedure is known as cross-validation.</a:t>
+            </a:r>
+          </a:p>
+          <a:p>
+            <a:pPr lvl="1"/>
+            <a:r>
+              <a:rPr lang="en-US" dirty="0">
+                <a:hlinkClick r:id="rId2"/>
+              </a:rPr>
+              <a:t>http://www.csie.ntu.edu.tw/%7Ecjlin/papers/guide/guide.pdf</a:t>
+            </a:r>
+            <a:endParaRPr lang="en-US" dirty="0"/>
+          </a:p>
+          <a:p>
+            <a:endParaRPr lang="en-US" sz="2200" dirty="0"/>
           </a:p>
           <a:p>
             <a:endParaRPr lang="en-US" dirty="0"/>
@@ -13867,32 +13882,32 @@
           <a:lstStyle/>
           <a:p>
             <a:r>
-              <a:rPr lang="en-US" dirty="0"/>
+              <a:rPr lang="en-US" sz="2400" dirty="0"/>
               <a:t>Greg Simpson</a:t>
             </a:r>
           </a:p>
           <a:p>
             <a:pPr lvl="1"/>
             <a:r>
-              <a:rPr lang="en-US" dirty="0">
+              <a:rPr lang="en-US" sz="2000" dirty="0">
                 <a:hlinkClick r:id="rId2"/>
               </a:rPr>
               <a:t>gsimpson@pobox.com</a:t>
             </a:r>
+            <a:endParaRPr lang="en-US" sz="2000" dirty="0"/>
+          </a:p>
+          <a:p>
+            <a:pPr lvl="1"/>
+            <a:r>
+              <a:rPr lang="en-US" sz="2000" dirty="0"/>
+              <a:t>303.907.2233</a:t>
+            </a:r>
+          </a:p>
+          <a:p>
+            <a:pPr marL="457200" lvl="1" indent="0">
+              <a:buNone/>
+            </a:pPr>
             <a:endParaRPr lang="en-US" dirty="0"/>
-          </a:p>
-          <a:p>
-            <a:pPr lvl="1"/>
-            <a:r>
-              <a:rPr lang="en-US"/>
-              <a:t>303.907.2233</a:t>
-            </a:r>
-          </a:p>
-          <a:p>
-            <a:pPr marL="457200" lvl="1" indent="0">
-              <a:buNone/>
-            </a:pPr>
-            <a:endParaRPr lang="en-US"/>
           </a:p>
         </p:txBody>
       </p:sp>
@@ -13900,329 +13915,6 @@
     <p:extLst>
       <p:ext uri="{BB962C8B-B14F-4D97-AF65-F5344CB8AC3E}">
         <p14:creationId xmlns:p14="http://schemas.microsoft.com/office/powerpoint/2010/main" val="2825897129"/>
-      </p:ext>
-    </p:extLst>
-  </p:cSld>
-  <p:clrMapOvr>
-    <a:masterClrMapping/>
-  </p:clrMapOvr>
-</p:sld>
-</file>
-
-<file path=ppt/slides/slide15.xml><?xml version="1.0" encoding="utf-8"?>
-<p:sld xmlns:a="http://schemas.openxmlformats.org/drawingml/2006/main" xmlns:r="http://schemas.openxmlformats.org/officeDocument/2006/relationships" xmlns:p="http://schemas.openxmlformats.org/presentationml/2006/main">
-  <p:cSld>
-    <p:spTree>
-      <p:nvGrpSpPr>
-        <p:cNvPr id="1" name=""/>
-        <p:cNvGrpSpPr/>
-        <p:nvPr/>
-      </p:nvGrpSpPr>
-      <p:grpSpPr>
-        <a:xfrm>
-          <a:off x="0" y="0"/>
-          <a:ext cx="0" cy="0"/>
-          <a:chOff x="0" y="0"/>
-          <a:chExt cx="0" cy="0"/>
-        </a:xfrm>
-      </p:grpSpPr>
-      <p:sp>
-        <p:nvSpPr>
-          <p:cNvPr id="2" name="Title 1"/>
-          <p:cNvSpPr>
-            <a:spLocks noGrp="1"/>
-          </p:cNvSpPr>
-          <p:nvPr>
-            <p:ph type="title"/>
-          </p:nvPr>
-        </p:nvSpPr>
-        <p:spPr/>
-        <p:txBody>
-          <a:bodyPr/>
-          <a:lstStyle/>
-          <a:p>
-            <a:r>
-              <a:rPr lang="en-US" dirty="0"/>
-              <a:t>IBM Watson Tools</a:t>
-            </a:r>
-          </a:p>
-        </p:txBody>
-      </p:sp>
-      <p:sp>
-        <p:nvSpPr>
-          <p:cNvPr id="3" name="Content Placeholder 2"/>
-          <p:cNvSpPr>
-            <a:spLocks noGrp="1"/>
-          </p:cNvSpPr>
-          <p:nvPr>
-            <p:ph idx="1"/>
-          </p:nvPr>
-        </p:nvSpPr>
-        <p:spPr/>
-        <p:txBody>
-          <a:bodyPr>
-            <a:normAutofit fontScale="92500" lnSpcReduction="20000"/>
-          </a:bodyPr>
-          <a:lstStyle/>
-          <a:p>
-            <a:r>
-              <a:rPr lang="en-US" dirty="0"/>
-              <a:t>IBM SPSS Modeler</a:t>
-            </a:r>
-          </a:p>
-          <a:p>
-            <a:pPr lvl="1"/>
-            <a:r>
-              <a:rPr lang="en-US" dirty="0">
-                <a:hlinkClick r:id="rId2"/>
-              </a:rPr>
-              <a:t>http://www-03.ibm.com/software/products/en/spss-modeler</a:t>
-            </a:r>
-            <a:endParaRPr lang="en-US" dirty="0"/>
-          </a:p>
-          <a:p>
-            <a:pPr lvl="1"/>
-            <a:r>
-              <a:rPr lang="en-US" dirty="0"/>
-              <a:t>Covers 3 main phases</a:t>
-            </a:r>
-          </a:p>
-          <a:p>
-            <a:pPr lvl="2"/>
-            <a:r>
-              <a:rPr lang="en-US" dirty="0"/>
-              <a:t>Data ingestion and manipulation</a:t>
-            </a:r>
-          </a:p>
-          <a:p>
-            <a:pPr lvl="3"/>
-            <a:r>
-              <a:rPr lang="en-US" dirty="0"/>
-              <a:t>Easy, fast, repeatable</a:t>
-            </a:r>
-          </a:p>
-          <a:p>
-            <a:pPr lvl="3"/>
-            <a:r>
-              <a:rPr lang="en-US" dirty="0"/>
-              <a:t>Simple data partitioning into Train-Test-Validation data sets</a:t>
-            </a:r>
-          </a:p>
-          <a:p>
-            <a:pPr lvl="2"/>
-            <a:r>
-              <a:rPr lang="en-US" dirty="0"/>
-              <a:t>Modeling</a:t>
-            </a:r>
-          </a:p>
-          <a:p>
-            <a:pPr lvl="3"/>
-            <a:r>
-              <a:rPr lang="en-US" dirty="0"/>
-              <a:t>Icon based configurations</a:t>
-            </a:r>
-          </a:p>
-          <a:p>
-            <a:pPr lvl="3"/>
-            <a:r>
-              <a:rPr lang="en-US" dirty="0"/>
-              <a:t>Parallel and serial capabilities</a:t>
-            </a:r>
-          </a:p>
-          <a:p>
-            <a:pPr lvl="2"/>
-            <a:r>
-              <a:rPr lang="en-US" dirty="0"/>
-              <a:t>Display</a:t>
-            </a:r>
-          </a:p>
-          <a:p>
-            <a:pPr lvl="3"/>
-            <a:r>
-              <a:rPr lang="en-US" dirty="0"/>
-              <a:t>Not the strongest</a:t>
-            </a:r>
-          </a:p>
-          <a:p>
-            <a:pPr lvl="3"/>
-            <a:r>
-              <a:rPr lang="en-US" dirty="0"/>
-              <a:t>Other tools are better</a:t>
-            </a:r>
-          </a:p>
-          <a:p>
-            <a:pPr lvl="2"/>
-            <a:endParaRPr lang="en-US" dirty="0"/>
-          </a:p>
-        </p:txBody>
-      </p:sp>
-    </p:spTree>
-    <p:extLst>
-      <p:ext uri="{BB962C8B-B14F-4D97-AF65-F5344CB8AC3E}">
-        <p14:creationId xmlns:p14="http://schemas.microsoft.com/office/powerpoint/2010/main" val="4033208215"/>
-      </p:ext>
-    </p:extLst>
-  </p:cSld>
-  <p:clrMapOvr>
-    <a:masterClrMapping/>
-  </p:clrMapOvr>
-</p:sld>
-</file>
-
-<file path=ppt/slides/slide16.xml><?xml version="1.0" encoding="utf-8"?>
-<p:sld xmlns:a="http://schemas.openxmlformats.org/drawingml/2006/main" xmlns:r="http://schemas.openxmlformats.org/officeDocument/2006/relationships" xmlns:p="http://schemas.openxmlformats.org/presentationml/2006/main">
-  <p:cSld>
-    <p:spTree>
-      <p:nvGrpSpPr>
-        <p:cNvPr id="1" name=""/>
-        <p:cNvGrpSpPr/>
-        <p:nvPr/>
-      </p:nvGrpSpPr>
-      <p:grpSpPr>
-        <a:xfrm>
-          <a:off x="0" y="0"/>
-          <a:ext cx="0" cy="0"/>
-          <a:chOff x="0" y="0"/>
-          <a:chExt cx="0" cy="0"/>
-        </a:xfrm>
-      </p:grpSpPr>
-      <p:sp>
-        <p:nvSpPr>
-          <p:cNvPr id="2" name="Title 1"/>
-          <p:cNvSpPr>
-            <a:spLocks noGrp="1"/>
-          </p:cNvSpPr>
-          <p:nvPr>
-            <p:ph type="title"/>
-          </p:nvPr>
-        </p:nvSpPr>
-        <p:spPr/>
-        <p:txBody>
-          <a:bodyPr/>
-          <a:lstStyle/>
-          <a:p>
-            <a:r>
-              <a:rPr lang="en-US" dirty="0"/>
-              <a:t>Data Science</a:t>
-            </a:r>
-          </a:p>
-        </p:txBody>
-      </p:sp>
-      <p:sp>
-        <p:nvSpPr>
-          <p:cNvPr id="3" name="Content Placeholder 2"/>
-          <p:cNvSpPr>
-            <a:spLocks noGrp="1"/>
-          </p:cNvSpPr>
-          <p:nvPr>
-            <p:ph idx="1"/>
-          </p:nvPr>
-        </p:nvSpPr>
-        <p:spPr/>
-        <p:txBody>
-          <a:bodyPr>
-            <a:normAutofit/>
-          </a:bodyPr>
-          <a:lstStyle/>
-          <a:p>
-            <a:r>
-              <a:rPr lang="en-US" dirty="0"/>
-              <a:t>SVM Classifier</a:t>
-            </a:r>
-          </a:p>
-          <a:p>
-            <a:pPr lvl="1"/>
-            <a:r>
-              <a:rPr lang="en-US" dirty="0"/>
-              <a:t>Support Vector Machine</a:t>
-            </a:r>
-          </a:p>
-          <a:p>
-            <a:pPr lvl="2"/>
-            <a:r>
-              <a:rPr lang="en-US" dirty="0">
-                <a:hlinkClick r:id="rId2" tooltip="Supervised learning"/>
-              </a:rPr>
-              <a:t>supervised learning</a:t>
-            </a:r>
-            <a:r>
-              <a:rPr lang="en-US" dirty="0"/>
-              <a:t> models analyze data used for </a:t>
-            </a:r>
-            <a:r>
-              <a:rPr lang="en-US" dirty="0">
-                <a:hlinkClick r:id="rId3" tooltip="Statistical classification"/>
-              </a:rPr>
-              <a:t>classification</a:t>
-            </a:r>
-            <a:r>
-              <a:rPr lang="en-US" dirty="0"/>
-              <a:t> and </a:t>
-            </a:r>
-            <a:r>
-              <a:rPr lang="en-US" dirty="0">
-                <a:hlinkClick r:id="rId4" tooltip="Regression analysis"/>
-              </a:rPr>
-              <a:t>regression analysis</a:t>
-            </a:r>
-            <a:r>
-              <a:rPr lang="en-US" dirty="0"/>
-              <a:t>.</a:t>
-            </a:r>
-          </a:p>
-          <a:p>
-            <a:pPr lvl="2"/>
-            <a:r>
-              <a:rPr lang="en-US" dirty="0"/>
-              <a:t>Existing data is mapped so that the examples of the separate categories are divided by a clear gap that is as wide as possible (called a hyperplane). New examples are then mapped into that same space and predicted to belong to a category based on which side of the gap they fall on.</a:t>
-            </a:r>
-          </a:p>
-          <a:p>
-            <a:pPr lvl="3"/>
-            <a:r>
-              <a:rPr lang="en-US" dirty="0"/>
-              <a:t>https://en.wikipedia.org/wiki/Kernel_method</a:t>
-            </a:r>
-          </a:p>
-          <a:p>
-            <a:pPr lvl="1"/>
-            <a:r>
-              <a:rPr lang="en-US" dirty="0"/>
-              <a:t>Kernels</a:t>
-            </a:r>
-          </a:p>
-          <a:p>
-            <a:pPr lvl="2"/>
-            <a:r>
-              <a:rPr lang="en-US" dirty="0"/>
-              <a:t>Mathematical functions used to project data to increase separation</a:t>
-            </a:r>
-          </a:p>
-          <a:p>
-            <a:pPr lvl="3"/>
-            <a:r>
-              <a:rPr lang="en-US" dirty="0"/>
-              <a:t>RBF, </a:t>
-            </a:r>
-            <a:r>
-              <a:rPr lang="en-US" dirty="0" err="1"/>
-              <a:t>Polymomial</a:t>
-            </a:r>
-            <a:r>
-              <a:rPr lang="en-US" dirty="0"/>
-              <a:t>, Sigmoid, Linear</a:t>
-            </a:r>
-          </a:p>
-          <a:p>
-            <a:pPr lvl="2"/>
-            <a:endParaRPr lang="en-US" dirty="0"/>
-          </a:p>
-        </p:txBody>
-      </p:sp>
-    </p:spTree>
-    <p:extLst>
-      <p:ext uri="{BB962C8B-B14F-4D97-AF65-F5344CB8AC3E}">
-        <p14:creationId xmlns:p14="http://schemas.microsoft.com/office/powerpoint/2010/main" val="2508940193"/>
       </p:ext>
     </p:extLst>
   </p:cSld>
@@ -14287,48 +13979,48 @@
           <a:lstStyle/>
           <a:p>
             <a:r>
-              <a:rPr lang="en-US" dirty="0"/>
+              <a:rPr lang="en-US" sz="2400" dirty="0"/>
               <a:t>Long career in software</a:t>
             </a:r>
           </a:p>
           <a:p>
             <a:pPr lvl="1"/>
             <a:r>
-              <a:rPr lang="en-US" dirty="0"/>
+              <a:rPr lang="en-US" sz="2000" dirty="0"/>
               <a:t>Many Big name companies; several small companies</a:t>
             </a:r>
           </a:p>
           <a:p>
             <a:pPr lvl="1"/>
             <a:r>
-              <a:rPr lang="en-US" dirty="0"/>
+              <a:rPr lang="en-US" sz="2000" dirty="0"/>
               <a:t>Lots of different roles</a:t>
             </a:r>
           </a:p>
           <a:p>
             <a:pPr lvl="1"/>
             <a:r>
-              <a:rPr lang="en-US" dirty="0"/>
+              <a:rPr lang="en-US" sz="2000" dirty="0"/>
               <a:t>Plenty of success</a:t>
             </a:r>
           </a:p>
           <a:p>
             <a:pPr lvl="2"/>
             <a:r>
-              <a:rPr lang="en-US" dirty="0"/>
+              <a:rPr lang="en-US" sz="2000" dirty="0"/>
               <a:t>GPS-OCX ground station contract win</a:t>
             </a:r>
           </a:p>
           <a:p>
             <a:pPr lvl="1"/>
             <a:r>
-              <a:rPr lang="en-US" dirty="0"/>
+              <a:rPr lang="en-US" sz="2000" dirty="0"/>
               <a:t>Too many “less than successes”</a:t>
             </a:r>
           </a:p>
           <a:p>
             <a:r>
-              <a:rPr lang="en-US" dirty="0"/>
+              <a:rPr lang="en-US" sz="2400" dirty="0"/>
               <a:t>Looking for something new to keep me interested</a:t>
             </a:r>
           </a:p>
@@ -14501,28 +14193,32 @@
           <a:lstStyle/>
           <a:p>
             <a:r>
+              <a:rPr lang="en-US" sz="2400" dirty="0"/>
+              <a:t>Combine</a:t>
+            </a:r>
+            <a:r>
               <a:rPr lang="en-US" dirty="0"/>
-              <a:t>Combine </a:t>
+              <a:t> </a:t>
             </a:r>
           </a:p>
           <a:p>
             <a:pPr lvl="1"/>
             <a:r>
-              <a:rPr lang="en-US" dirty="0"/>
+              <a:rPr lang="en-US" sz="2000" dirty="0"/>
               <a:t>HealthCare Domain</a:t>
             </a:r>
           </a:p>
           <a:p>
             <a:pPr lvl="1"/>
             <a:r>
-              <a:rPr lang="en-US" dirty="0"/>
+              <a:rPr lang="en-US" sz="2000" dirty="0"/>
               <a:t>Data Science</a:t>
             </a:r>
           </a:p>
           <a:p>
             <a:pPr lvl="1"/>
             <a:r>
-              <a:rPr lang="en-US" dirty="0"/>
+              <a:rPr lang="en-US" sz="2000" dirty="0"/>
               <a:t>IBM Watson Tools</a:t>
             </a:r>
           </a:p>
@@ -14592,59 +14288,61 @@
         </p:nvSpPr>
         <p:spPr/>
         <p:txBody>
-          <a:bodyPr/>
+          <a:bodyPr>
+            <a:normAutofit fontScale="92500" lnSpcReduction="20000"/>
+          </a:bodyPr>
           <a:lstStyle/>
           <a:p>
             <a:r>
-              <a:rPr lang="en-US" dirty="0"/>
+              <a:rPr lang="en-US" sz="2400" dirty="0"/>
               <a:t>Breast Cancer Study from the University of Wisconsin</a:t>
             </a:r>
           </a:p>
           <a:p>
             <a:pPr lvl="1"/>
             <a:r>
-              <a:rPr lang="en-US" dirty="0"/>
+              <a:rPr lang="en-US" sz="2000" dirty="0"/>
               <a:t>Publicly available data</a:t>
             </a:r>
           </a:p>
           <a:p>
             <a:pPr lvl="1"/>
             <a:r>
-              <a:rPr lang="en-US" dirty="0"/>
+              <a:rPr lang="en-US" sz="2000" dirty="0"/>
               <a:t>700 records</a:t>
             </a:r>
           </a:p>
           <a:p>
             <a:pPr lvl="1"/>
             <a:r>
-              <a:rPr lang="en-US" dirty="0"/>
+              <a:rPr lang="en-US" sz="2000" dirty="0"/>
               <a:t>10 features – cell characteristic measurements</a:t>
             </a:r>
           </a:p>
           <a:p>
             <a:pPr lvl="1"/>
             <a:r>
-              <a:rPr lang="en-US" dirty="0"/>
+              <a:rPr lang="en-US" sz="2000" dirty="0"/>
               <a:t>1 actual result</a:t>
             </a:r>
           </a:p>
           <a:p>
             <a:pPr lvl="2"/>
             <a:r>
-              <a:rPr lang="en-US" dirty="0"/>
+              <a:rPr lang="en-US" sz="1900" dirty="0"/>
               <a:t>2 – benign</a:t>
             </a:r>
           </a:p>
           <a:p>
             <a:pPr lvl="2"/>
             <a:r>
-              <a:rPr lang="en-US" dirty="0"/>
+              <a:rPr lang="en-US" sz="1900" dirty="0"/>
               <a:t>4 – malignant</a:t>
             </a:r>
           </a:p>
           <a:p>
             <a:r>
-              <a:rPr lang="en-US" dirty="0"/>
+              <a:rPr lang="en-US" sz="2400" dirty="0"/>
               <a:t>Goal is to compare the results of your classifier against the actual result</a:t>
             </a:r>
           </a:p>
@@ -14718,21 +14416,25 @@
           <a:lstStyle/>
           <a:p>
             <a:r>
+              <a:rPr lang="en-US" sz="2400" dirty="0"/>
+              <a:t>Combine</a:t>
+            </a:r>
+            <a:r>
               <a:rPr lang="en-US" dirty="0"/>
-              <a:t>Combine </a:t>
+              <a:t> </a:t>
             </a:r>
           </a:p>
           <a:p>
             <a:pPr lvl="1"/>
             <a:r>
-              <a:rPr lang="en-US" dirty="0"/>
+              <a:rPr lang="en-US" sz="2000" dirty="0"/>
               <a:t>HealthCare Domain</a:t>
             </a:r>
           </a:p>
           <a:p>
             <a:pPr lvl="1"/>
             <a:r>
-              <a:rPr lang="en-US" dirty="0">
+              <a:rPr lang="en-US" sz="2000" dirty="0">
                 <a:highlight>
                   <a:srgbClr val="00FFFF"/>
                 </a:highlight>
@@ -14743,7 +14445,7 @@
           <a:p>
             <a:pPr lvl="1"/>
             <a:r>
-              <a:rPr lang="en-US" dirty="0"/>
+              <a:rPr lang="en-US" sz="2000" dirty="0"/>
               <a:t>IBM Watson Tools</a:t>
             </a:r>
           </a:p>
@@ -14838,7 +14540,7 @@
         <p:spPr>
           <a:xfrm>
             <a:off x="4783014" y="2450827"/>
-            <a:ext cx="3736732" cy="3921369"/>
+            <a:ext cx="6488724" cy="2982819"/>
           </a:xfrm>
         </p:spPr>
         <p:txBody>
@@ -14846,23 +14548,23 @@
           <a:lstStyle/>
           <a:p>
             <a:r>
-              <a:rPr lang="en-US" dirty="0"/>
+              <a:rPr lang="en-US" sz="2400" dirty="0"/>
               <a:t>Hyperplane</a:t>
             </a:r>
           </a:p>
           <a:p>
             <a:pPr lvl="1"/>
             <a:r>
-              <a:rPr lang="en-US" dirty="0"/>
+              <a:rPr lang="en-US" sz="2000" dirty="0"/>
               <a:t>best separates two classes of points with the maximum margin. </a:t>
             </a:r>
           </a:p>
           <a:p>
             <a:pPr lvl="1"/>
-            <a:endParaRPr lang="en-US" dirty="0"/>
-          </a:p>
-          <a:p>
-            <a:pPr lvl="1"/>
+            <a:endParaRPr lang="en-US" sz="2000" dirty="0"/>
+          </a:p>
+          <a:p>
+            <a:pPr lvl="2"/>
             <a:r>
               <a:rPr lang="en-US" dirty="0"/>
               <a:t>https://www.quora.com/What-does-support-vector-machine-SVM-mean-in-laymans-terms</a:t>
@@ -15017,28 +14719,32 @@
           <a:lstStyle/>
           <a:p>
             <a:r>
+              <a:rPr lang="en-US" sz="2400" dirty="0"/>
+              <a:t>Combine</a:t>
+            </a:r>
+            <a:r>
               <a:rPr lang="en-US" dirty="0"/>
-              <a:t>Combine </a:t>
+              <a:t> </a:t>
             </a:r>
           </a:p>
           <a:p>
             <a:pPr lvl="1"/>
             <a:r>
-              <a:rPr lang="en-US" dirty="0"/>
+              <a:rPr lang="en-US" sz="2000" dirty="0"/>
               <a:t>HealthCare Domain</a:t>
             </a:r>
           </a:p>
           <a:p>
             <a:pPr lvl="1"/>
             <a:r>
-              <a:rPr lang="en-US" dirty="0"/>
+              <a:rPr lang="en-US" sz="2000" dirty="0"/>
               <a:t>Data Science</a:t>
             </a:r>
           </a:p>
           <a:p>
             <a:pPr lvl="1"/>
             <a:r>
-              <a:rPr lang="en-US" dirty="0">
+              <a:rPr lang="en-US" sz="2000" dirty="0">
                 <a:highlight>
                   <a:srgbClr val="00FFFF"/>
                 </a:highlight>

--- a/docs/gsimpson-CapstonePresentation.pptx
+++ b/docs/gsimpson-CapstonePresentation.pptx
@@ -10,15 +10,13 @@
     <p:sldId id="257" r:id="rId4"/>
     <p:sldId id="258" r:id="rId5"/>
     <p:sldId id="259" r:id="rId6"/>
-    <p:sldId id="274" r:id="rId7"/>
-    <p:sldId id="277" r:id="rId8"/>
-    <p:sldId id="278" r:id="rId9"/>
-    <p:sldId id="275" r:id="rId10"/>
-    <p:sldId id="263" r:id="rId11"/>
-    <p:sldId id="279" r:id="rId12"/>
-    <p:sldId id="264" r:id="rId13"/>
-    <p:sldId id="261" r:id="rId14"/>
-    <p:sldId id="276" r:id="rId15"/>
+    <p:sldId id="277" r:id="rId7"/>
+    <p:sldId id="278" r:id="rId8"/>
+    <p:sldId id="263" r:id="rId9"/>
+    <p:sldId id="279" r:id="rId10"/>
+    <p:sldId id="264" r:id="rId11"/>
+    <p:sldId id="261" r:id="rId12"/>
+    <p:sldId id="276" r:id="rId13"/>
   </p:sldIdLst>
   <p:sldSz cx="12192000" cy="6858000"/>
   <p:notesSz cx="6858000" cy="9144000"/>
@@ -13365,133 +13363,82 @@
           <a:p>
             <a:r>
               <a:rPr lang="en-US" dirty="0"/>
-              <a:t>SPSS Stream Screen Shots</a:t>
-            </a:r>
-          </a:p>
-        </p:txBody>
-      </p:sp>
-      <p:pic>
-        <p:nvPicPr>
-          <p:cNvPr id="4" name="Content Placeholder 3"/>
-          <p:cNvPicPr>
-            <a:picLocks noGrp="1" noChangeAspect="1"/>
-          </p:cNvPicPr>
-          <p:nvPr>
-            <p:ph idx="1"/>
-          </p:nvPr>
-        </p:nvPicPr>
-        <p:blipFill>
-          <a:blip r:embed="rId2"/>
-          <a:stretch>
-            <a:fillRect/>
-          </a:stretch>
-        </p:blipFill>
-        <p:spPr>
-          <a:xfrm>
-            <a:off x="409576" y="2296721"/>
-            <a:ext cx="6677024" cy="4253571"/>
-          </a:xfrm>
-          <a:prstGeom prst="rect">
-            <a:avLst/>
-          </a:prstGeom>
-        </p:spPr>
-      </p:pic>
-      <p:sp>
-        <p:nvSpPr>
-          <p:cNvPr id="3" name="Rectangle 2"/>
-          <p:cNvSpPr/>
-          <p:nvPr/>
-        </p:nvSpPr>
-        <p:spPr>
-          <a:xfrm>
-            <a:off x="553915" y="3807069"/>
-            <a:ext cx="4246685" cy="606669"/>
-          </a:xfrm>
-          <a:prstGeom prst="rect">
-            <a:avLst/>
-          </a:prstGeom>
-          <a:noFill/>
-          <a:ln w="57150">
-            <a:solidFill>
-              <a:srgbClr val="FFC000"/>
-            </a:solidFill>
-          </a:ln>
-        </p:spPr>
-        <p:style>
-          <a:lnRef idx="2">
-            <a:schemeClr val="accent1">
-              <a:shade val="50000"/>
-            </a:schemeClr>
-          </a:lnRef>
-          <a:fillRef idx="1">
-            <a:schemeClr val="accent1"/>
-          </a:fillRef>
-          <a:effectRef idx="0">
-            <a:schemeClr val="accent1"/>
-          </a:effectRef>
-          <a:fontRef idx="minor">
-            <a:schemeClr val="lt1"/>
-          </a:fontRef>
-        </p:style>
-        <p:txBody>
-          <a:bodyPr rtlCol="0" anchor="ctr"/>
-          <a:lstStyle/>
-          <a:p>
-            <a:pPr algn="ctr"/>
-            <a:endParaRPr lang="en-US"/>
+              <a:t>Model Results</a:t>
+            </a:r>
           </a:p>
         </p:txBody>
       </p:sp>
       <p:sp>
         <p:nvSpPr>
-          <p:cNvPr id="5" name="Rectangle 4"/>
-          <p:cNvSpPr/>
-          <p:nvPr/>
+          <p:cNvPr id="3" name="Content Placeholder 2"/>
+          <p:cNvSpPr>
+            <a:spLocks noGrp="1"/>
+          </p:cNvSpPr>
+          <p:nvPr>
+            <p:ph idx="1"/>
+          </p:nvPr>
         </p:nvSpPr>
-        <p:spPr>
-          <a:xfrm>
-            <a:off x="4800600" y="4484077"/>
-            <a:ext cx="712177" cy="1090246"/>
-          </a:xfrm>
-          <a:prstGeom prst="rect">
-            <a:avLst/>
-          </a:prstGeom>
-          <a:noFill/>
-          <a:ln w="38100">
-            <a:solidFill>
-              <a:srgbClr val="FF0000"/>
-            </a:solidFill>
-          </a:ln>
-        </p:spPr>
-        <p:style>
-          <a:lnRef idx="2">
-            <a:schemeClr val="accent1">
-              <a:shade val="50000"/>
-            </a:schemeClr>
-          </a:lnRef>
-          <a:fillRef idx="1">
-            <a:schemeClr val="accent1"/>
-          </a:fillRef>
-          <a:effectRef idx="0">
-            <a:schemeClr val="accent1"/>
-          </a:effectRef>
-          <a:fontRef idx="minor">
-            <a:schemeClr val="lt1"/>
-          </a:fontRef>
-        </p:style>
+        <p:spPr/>
         <p:txBody>
-          <a:bodyPr rtlCol="0" anchor="ctr"/>
+          <a:bodyPr>
+            <a:normAutofit/>
+          </a:bodyPr>
           <a:lstStyle/>
           <a:p>
-            <a:pPr algn="ctr"/>
-            <a:endParaRPr lang="en-US"/>
+            <a:r>
+              <a:rPr lang="en-US" sz="2400" dirty="0"/>
+              <a:t>Train (correct / incorrect)</a:t>
+            </a:r>
+          </a:p>
+          <a:p>
+            <a:pPr lvl="1"/>
+            <a:r>
+              <a:rPr lang="en-US" sz="2000" dirty="0"/>
+              <a:t>Polynomial : 100% / 0%</a:t>
+            </a:r>
+          </a:p>
+          <a:p>
+            <a:r>
+              <a:rPr lang="en-US" sz="2400" dirty="0"/>
+              <a:t>Test (correct / incorrect)</a:t>
+            </a:r>
+          </a:p>
+          <a:p>
+            <a:pPr lvl="1"/>
+            <a:r>
+              <a:rPr lang="en-US" sz="2000" dirty="0" err="1"/>
+              <a:t>Rbf</a:t>
+            </a:r>
+            <a:r>
+              <a:rPr lang="en-US" sz="2000" dirty="0"/>
+              <a:t> (Radial basis function) : 96.89% / 3.11%</a:t>
+            </a:r>
+          </a:p>
+          <a:p>
+            <a:r>
+              <a:rPr lang="en-US" sz="2400" dirty="0"/>
+              <a:t>Validation (correct / incorrect)</a:t>
+            </a:r>
+          </a:p>
+          <a:p>
+            <a:pPr lvl="1"/>
+            <a:r>
+              <a:rPr lang="en-US" sz="2000" dirty="0"/>
+              <a:t>Linear : 92.41% / 7.59%</a:t>
+            </a:r>
+          </a:p>
+          <a:p>
+            <a:pPr marL="0" indent="0">
+              <a:buNone/>
+            </a:pPr>
+            <a:endParaRPr lang="en-US" dirty="0"/>
           </a:p>
         </p:txBody>
       </p:sp>
     </p:spTree>
     <p:extLst>
       <p:ext uri="{BB962C8B-B14F-4D97-AF65-F5344CB8AC3E}">
-        <p14:creationId xmlns:p14="http://schemas.microsoft.com/office/powerpoint/2010/main" val="4141596084"/>
+        <p14:creationId xmlns:p14="http://schemas.microsoft.com/office/powerpoint/2010/main" val="2991731860"/>
       </p:ext>
     </p:extLst>
   </p:cSld>
@@ -13535,201 +13482,6 @@
           <a:p>
             <a:r>
               <a:rPr lang="en-US" dirty="0"/>
-              <a:t>SPSS Stream Screen Shots</a:t>
-            </a:r>
-          </a:p>
-        </p:txBody>
-      </p:sp>
-      <p:pic>
-        <p:nvPicPr>
-          <p:cNvPr id="6" name="Picture 5"/>
-          <p:cNvPicPr>
-            <a:picLocks noChangeAspect="1"/>
-          </p:cNvPicPr>
-          <p:nvPr/>
-        </p:nvPicPr>
-        <p:blipFill>
-          <a:blip r:embed="rId2"/>
-          <a:stretch>
-            <a:fillRect/>
-          </a:stretch>
-        </p:blipFill>
-        <p:spPr>
-          <a:xfrm>
-            <a:off x="389907" y="2448169"/>
-            <a:ext cx="5061691" cy="4224093"/>
-          </a:xfrm>
-          <a:prstGeom prst="rect">
-            <a:avLst/>
-          </a:prstGeom>
-        </p:spPr>
-      </p:pic>
-    </p:spTree>
-    <p:extLst>
-      <p:ext uri="{BB962C8B-B14F-4D97-AF65-F5344CB8AC3E}">
-        <p14:creationId xmlns:p14="http://schemas.microsoft.com/office/powerpoint/2010/main" val="1300176505"/>
-      </p:ext>
-    </p:extLst>
-  </p:cSld>
-  <p:clrMapOvr>
-    <a:masterClrMapping/>
-  </p:clrMapOvr>
-</p:sld>
-</file>
-
-<file path=ppt/slides/slide12.xml><?xml version="1.0" encoding="utf-8"?>
-<p:sld xmlns:a="http://schemas.openxmlformats.org/drawingml/2006/main" xmlns:r="http://schemas.openxmlformats.org/officeDocument/2006/relationships" xmlns:p="http://schemas.openxmlformats.org/presentationml/2006/main">
-  <p:cSld>
-    <p:spTree>
-      <p:nvGrpSpPr>
-        <p:cNvPr id="1" name=""/>
-        <p:cNvGrpSpPr/>
-        <p:nvPr/>
-      </p:nvGrpSpPr>
-      <p:grpSpPr>
-        <a:xfrm>
-          <a:off x="0" y="0"/>
-          <a:ext cx="0" cy="0"/>
-          <a:chOff x="0" y="0"/>
-          <a:chExt cx="0" cy="0"/>
-        </a:xfrm>
-      </p:grpSpPr>
-      <p:sp>
-        <p:nvSpPr>
-          <p:cNvPr id="2" name="Title 1"/>
-          <p:cNvSpPr>
-            <a:spLocks noGrp="1"/>
-          </p:cNvSpPr>
-          <p:nvPr>
-            <p:ph type="title"/>
-          </p:nvPr>
-        </p:nvSpPr>
-        <p:spPr/>
-        <p:txBody>
-          <a:bodyPr/>
-          <a:lstStyle/>
-          <a:p>
-            <a:r>
-              <a:rPr lang="en-US" dirty="0"/>
-              <a:t>Model Results</a:t>
-            </a:r>
-          </a:p>
-        </p:txBody>
-      </p:sp>
-      <p:sp>
-        <p:nvSpPr>
-          <p:cNvPr id="3" name="Content Placeholder 2"/>
-          <p:cNvSpPr>
-            <a:spLocks noGrp="1"/>
-          </p:cNvSpPr>
-          <p:nvPr>
-            <p:ph idx="1"/>
-          </p:nvPr>
-        </p:nvSpPr>
-        <p:spPr/>
-        <p:txBody>
-          <a:bodyPr>
-            <a:normAutofit/>
-          </a:bodyPr>
-          <a:lstStyle/>
-          <a:p>
-            <a:r>
-              <a:rPr lang="en-US" sz="2400" dirty="0"/>
-              <a:t>Train (correct / incorrect)</a:t>
-            </a:r>
-          </a:p>
-          <a:p>
-            <a:pPr lvl="1"/>
-            <a:r>
-              <a:rPr lang="en-US" sz="2000" dirty="0"/>
-              <a:t>Polynomial : 100% / 0%</a:t>
-            </a:r>
-          </a:p>
-          <a:p>
-            <a:r>
-              <a:rPr lang="en-US" sz="2400" dirty="0"/>
-              <a:t>Test (correct / incorrect)</a:t>
-            </a:r>
-          </a:p>
-          <a:p>
-            <a:pPr lvl="1"/>
-            <a:r>
-              <a:rPr lang="en-US" sz="2000" dirty="0" err="1"/>
-              <a:t>Rbf</a:t>
-            </a:r>
-            <a:r>
-              <a:rPr lang="en-US" sz="2000" dirty="0"/>
-              <a:t> (Radial basis function) : 96.89% / 3.11%</a:t>
-            </a:r>
-          </a:p>
-          <a:p>
-            <a:r>
-              <a:rPr lang="en-US" sz="2400" dirty="0"/>
-              <a:t>Validation (correct / incorrect)</a:t>
-            </a:r>
-          </a:p>
-          <a:p>
-            <a:pPr lvl="1"/>
-            <a:r>
-              <a:rPr lang="en-US" sz="2000" dirty="0"/>
-              <a:t>Linear : 92.41% / 7.59%</a:t>
-            </a:r>
-          </a:p>
-          <a:p>
-            <a:pPr marL="0" indent="0">
-              <a:buNone/>
-            </a:pPr>
-            <a:endParaRPr lang="en-US" dirty="0"/>
-          </a:p>
-        </p:txBody>
-      </p:sp>
-    </p:spTree>
-    <p:extLst>
-      <p:ext uri="{BB962C8B-B14F-4D97-AF65-F5344CB8AC3E}">
-        <p14:creationId xmlns:p14="http://schemas.microsoft.com/office/powerpoint/2010/main" val="2991731860"/>
-      </p:ext>
-    </p:extLst>
-  </p:cSld>
-  <p:clrMapOvr>
-    <a:masterClrMapping/>
-  </p:clrMapOvr>
-</p:sld>
-</file>
-
-<file path=ppt/slides/slide13.xml><?xml version="1.0" encoding="utf-8"?>
-<p:sld xmlns:a="http://schemas.openxmlformats.org/drawingml/2006/main" xmlns:r="http://schemas.openxmlformats.org/officeDocument/2006/relationships" xmlns:p="http://schemas.openxmlformats.org/presentationml/2006/main">
-  <p:cSld>
-    <p:spTree>
-      <p:nvGrpSpPr>
-        <p:cNvPr id="1" name=""/>
-        <p:cNvGrpSpPr/>
-        <p:nvPr/>
-      </p:nvGrpSpPr>
-      <p:grpSpPr>
-        <a:xfrm>
-          <a:off x="0" y="0"/>
-          <a:ext cx="0" cy="0"/>
-          <a:chOff x="0" y="0"/>
-          <a:chExt cx="0" cy="0"/>
-        </a:xfrm>
-      </p:grpSpPr>
-      <p:sp>
-        <p:nvSpPr>
-          <p:cNvPr id="2" name="Title 1"/>
-          <p:cNvSpPr>
-            <a:spLocks noGrp="1"/>
-          </p:cNvSpPr>
-          <p:nvPr>
-            <p:ph type="title"/>
-          </p:nvPr>
-        </p:nvSpPr>
-        <p:spPr/>
-        <p:txBody>
-          <a:bodyPr/>
-          <a:lstStyle/>
-          <a:p>
-            <a:r>
-              <a:rPr lang="en-US" dirty="0"/>
               <a:t>Which one to choose</a:t>
             </a:r>
           </a:p>
@@ -13759,24 +13511,37 @@
           </a:p>
           <a:p>
             <a:r>
-              <a:rPr lang="en-US" sz="2400" dirty="0"/>
-              <a:t>Validation (correct / incorrect)</a:t>
+              <a:rPr lang="en-US" sz="2600" dirty="0"/>
+              <a:t>Test (correct / incorrect)</a:t>
             </a:r>
           </a:p>
           <a:p>
             <a:pPr lvl="1"/>
             <a:r>
-              <a:rPr lang="en-US" sz="2000" dirty="0">
+              <a:rPr lang="en-US" sz="2200" dirty="0" err="1">
                 <a:highlight>
                   <a:srgbClr val="00FF00"/>
                 </a:highlight>
               </a:rPr>
-              <a:t>Linear</a:t>
-            </a:r>
-            <a:r>
-              <a:rPr lang="en-US" sz="2000" dirty="0"/>
-              <a:t> : 92.41% / 7.59%</a:t>
-            </a:r>
+              <a:t>Rbf</a:t>
+            </a:r>
+            <a:r>
+              <a:rPr lang="en-US" sz="2200" dirty="0"/>
+              <a:t> (Radial basis function) : </a:t>
+            </a:r>
+            <a:r>
+              <a:rPr lang="en-US" sz="2200" dirty="0">
+                <a:highlight>
+                  <a:srgbClr val="00FF00"/>
+                </a:highlight>
+              </a:rPr>
+              <a:t>96.89%</a:t>
+            </a:r>
+            <a:r>
+              <a:rPr lang="en-US" sz="2200" dirty="0"/>
+              <a:t> / 3.11%</a:t>
+            </a:r>
+            <a:endParaRPr lang="en-US" sz="2200" dirty="0"/>
           </a:p>
           <a:p>
             <a:pPr lvl="1"/>
@@ -13827,7 +13592,7 @@
 </p:sld>
 </file>
 
-<file path=ppt/slides/slide14.xml><?xml version="1.0" encoding="utf-8"?>
+<file path=ppt/slides/slide12.xml><?xml version="1.0" encoding="utf-8"?>
 <p:sld xmlns:a="http://schemas.openxmlformats.org/drawingml/2006/main" xmlns:r="http://schemas.openxmlformats.org/officeDocument/2006/relationships" xmlns:p="http://schemas.openxmlformats.org/presentationml/2006/main">
   <p:cSld>
     <p:spTree>
@@ -14395,109 +14160,6 @@
           <a:p>
             <a:r>
               <a:rPr lang="en-US" dirty="0"/>
-              <a:t>3 GOALS for Capstone</a:t>
-            </a:r>
-          </a:p>
-        </p:txBody>
-      </p:sp>
-      <p:sp>
-        <p:nvSpPr>
-          <p:cNvPr id="3" name="Content Placeholder 2"/>
-          <p:cNvSpPr>
-            <a:spLocks noGrp="1"/>
-          </p:cNvSpPr>
-          <p:nvPr>
-            <p:ph idx="1"/>
-          </p:nvPr>
-        </p:nvSpPr>
-        <p:spPr/>
-        <p:txBody>
-          <a:bodyPr/>
-          <a:lstStyle/>
-          <a:p>
-            <a:r>
-              <a:rPr lang="en-US" sz="2400" dirty="0"/>
-              <a:t>Combine</a:t>
-            </a:r>
-            <a:r>
-              <a:rPr lang="en-US" dirty="0"/>
-              <a:t> </a:t>
-            </a:r>
-          </a:p>
-          <a:p>
-            <a:pPr lvl="1"/>
-            <a:r>
-              <a:rPr lang="en-US" sz="2000" dirty="0"/>
-              <a:t>HealthCare Domain</a:t>
-            </a:r>
-          </a:p>
-          <a:p>
-            <a:pPr lvl="1"/>
-            <a:r>
-              <a:rPr lang="en-US" sz="2000" dirty="0">
-                <a:highlight>
-                  <a:srgbClr val="00FFFF"/>
-                </a:highlight>
-              </a:rPr>
-              <a:t>Data Science</a:t>
-            </a:r>
-          </a:p>
-          <a:p>
-            <a:pPr lvl="1"/>
-            <a:r>
-              <a:rPr lang="en-US" sz="2000" dirty="0"/>
-              <a:t>IBM Watson Tools</a:t>
-            </a:r>
-          </a:p>
-        </p:txBody>
-      </p:sp>
-    </p:spTree>
-    <p:extLst>
-      <p:ext uri="{BB962C8B-B14F-4D97-AF65-F5344CB8AC3E}">
-        <p14:creationId xmlns:p14="http://schemas.microsoft.com/office/powerpoint/2010/main" val="2893298437"/>
-      </p:ext>
-    </p:extLst>
-  </p:cSld>
-  <p:clrMapOvr>
-    <a:masterClrMapping/>
-  </p:clrMapOvr>
-</p:sld>
-</file>
-
-<file path=ppt/slides/slide7.xml><?xml version="1.0" encoding="utf-8"?>
-<p:sld xmlns:a="http://schemas.openxmlformats.org/drawingml/2006/main" xmlns:r="http://schemas.openxmlformats.org/officeDocument/2006/relationships" xmlns:p="http://schemas.openxmlformats.org/presentationml/2006/main">
-  <p:cSld>
-    <p:spTree>
-      <p:nvGrpSpPr>
-        <p:cNvPr id="1" name=""/>
-        <p:cNvGrpSpPr/>
-        <p:nvPr/>
-      </p:nvGrpSpPr>
-      <p:grpSpPr>
-        <a:xfrm>
-          <a:off x="0" y="0"/>
-          <a:ext cx="0" cy="0"/>
-          <a:chOff x="0" y="0"/>
-          <a:chExt cx="0" cy="0"/>
-        </a:xfrm>
-      </p:grpSpPr>
-      <p:sp>
-        <p:nvSpPr>
-          <p:cNvPr id="2" name="Title 1"/>
-          <p:cNvSpPr>
-            <a:spLocks noGrp="1"/>
-          </p:cNvSpPr>
-          <p:nvPr>
-            <p:ph type="title"/>
-          </p:nvPr>
-        </p:nvSpPr>
-        <p:spPr/>
-        <p:txBody>
-          <a:bodyPr/>
-          <a:lstStyle/>
-          <a:p>
-            <a:r>
-              <a:rPr lang="en-US" dirty="0"/>
               <a:t>Support Vector Machine (SVM)</a:t>
             </a:r>
           </a:p>
@@ -14589,6 +14251,81 @@
 </p:sld>
 </file>
 
+<file path=ppt/slides/slide7.xml><?xml version="1.0" encoding="utf-8"?>
+<p:sld xmlns:a="http://schemas.openxmlformats.org/drawingml/2006/main" xmlns:r="http://schemas.openxmlformats.org/officeDocument/2006/relationships" xmlns:p="http://schemas.openxmlformats.org/presentationml/2006/main">
+  <p:cSld>
+    <p:spTree>
+      <p:nvGrpSpPr>
+        <p:cNvPr id="1" name=""/>
+        <p:cNvGrpSpPr/>
+        <p:nvPr/>
+      </p:nvGrpSpPr>
+      <p:grpSpPr>
+        <a:xfrm>
+          <a:off x="0" y="0"/>
+          <a:ext cx="0" cy="0"/>
+          <a:chOff x="0" y="0"/>
+          <a:chExt cx="0" cy="0"/>
+        </a:xfrm>
+      </p:grpSpPr>
+      <p:sp>
+        <p:nvSpPr>
+          <p:cNvPr id="2" name="Title 1"/>
+          <p:cNvSpPr>
+            <a:spLocks noGrp="1"/>
+          </p:cNvSpPr>
+          <p:nvPr>
+            <p:ph type="title"/>
+          </p:nvPr>
+        </p:nvSpPr>
+        <p:spPr/>
+        <p:txBody>
+          <a:bodyPr/>
+          <a:lstStyle/>
+          <a:p>
+            <a:r>
+              <a:rPr lang="en-US" dirty="0"/>
+              <a:t>Kernels Project Data to Increase Separation</a:t>
+            </a:r>
+          </a:p>
+        </p:txBody>
+      </p:sp>
+      <p:pic>
+        <p:nvPicPr>
+          <p:cNvPr id="4" name="Content Placeholder 3"/>
+          <p:cNvPicPr>
+            <a:picLocks noGrp="1" noChangeAspect="1"/>
+          </p:cNvPicPr>
+          <p:nvPr>
+            <p:ph idx="1"/>
+          </p:nvPr>
+        </p:nvPicPr>
+        <p:blipFill>
+          <a:blip r:embed="rId2"/>
+          <a:stretch>
+            <a:fillRect/>
+          </a:stretch>
+        </p:blipFill>
+        <p:spPr>
+          <a:xfrm>
+            <a:off x="605630" y="2463778"/>
+            <a:ext cx="7338219" cy="4105297"/>
+          </a:xfrm>
+        </p:spPr>
+      </p:pic>
+    </p:spTree>
+    <p:extLst>
+      <p:ext uri="{BB962C8B-B14F-4D97-AF65-F5344CB8AC3E}">
+        <p14:creationId xmlns:p14="http://schemas.microsoft.com/office/powerpoint/2010/main" val="748810471"/>
+      </p:ext>
+    </p:extLst>
+  </p:cSld>
+  <p:clrMapOvr>
+    <a:masterClrMapping/>
+  </p:clrMapOvr>
+</p:sld>
+</file>
+
 <file path=ppt/slides/slide8.xml><?xml version="1.0" encoding="utf-8"?>
 <p:sld xmlns:a="http://schemas.openxmlformats.org/drawingml/2006/main" xmlns:r="http://schemas.openxmlformats.org/officeDocument/2006/relationships" xmlns:p="http://schemas.openxmlformats.org/presentationml/2006/main">
   <p:cSld>
@@ -14623,7 +14360,7 @@
           <a:p>
             <a:r>
               <a:rPr lang="en-US" dirty="0"/>
-              <a:t>Kernels Project Data to Increase Separation</a:t>
+              <a:t>SPSS Stream Screen Shots</a:t>
             </a:r>
           </a:p>
         </p:txBody>
@@ -14646,15 +14383,110 @@
         </p:blipFill>
         <p:spPr>
           <a:xfrm>
-            <a:off x="605630" y="2463778"/>
-            <a:ext cx="7338219" cy="4105297"/>
+            <a:off x="409576" y="2296721"/>
+            <a:ext cx="6677024" cy="4253571"/>
           </a:xfrm>
+          <a:prstGeom prst="rect">
+            <a:avLst/>
+          </a:prstGeom>
         </p:spPr>
       </p:pic>
+      <p:sp>
+        <p:nvSpPr>
+          <p:cNvPr id="3" name="Rectangle 2"/>
+          <p:cNvSpPr/>
+          <p:nvPr/>
+        </p:nvSpPr>
+        <p:spPr>
+          <a:xfrm>
+            <a:off x="553915" y="3807069"/>
+            <a:ext cx="4246685" cy="606669"/>
+          </a:xfrm>
+          <a:prstGeom prst="rect">
+            <a:avLst/>
+          </a:prstGeom>
+          <a:noFill/>
+          <a:ln w="57150">
+            <a:solidFill>
+              <a:srgbClr val="FFC000"/>
+            </a:solidFill>
+          </a:ln>
+        </p:spPr>
+        <p:style>
+          <a:lnRef idx="2">
+            <a:schemeClr val="accent1">
+              <a:shade val="50000"/>
+            </a:schemeClr>
+          </a:lnRef>
+          <a:fillRef idx="1">
+            <a:schemeClr val="accent1"/>
+          </a:fillRef>
+          <a:effectRef idx="0">
+            <a:schemeClr val="accent1"/>
+          </a:effectRef>
+          <a:fontRef idx="minor">
+            <a:schemeClr val="lt1"/>
+          </a:fontRef>
+        </p:style>
+        <p:txBody>
+          <a:bodyPr rtlCol="0" anchor="ctr"/>
+          <a:lstStyle/>
+          <a:p>
+            <a:pPr algn="ctr"/>
+            <a:endParaRPr lang="en-US"/>
+          </a:p>
+        </p:txBody>
+      </p:sp>
+      <p:sp>
+        <p:nvSpPr>
+          <p:cNvPr id="5" name="Rectangle 4"/>
+          <p:cNvSpPr/>
+          <p:nvPr/>
+        </p:nvSpPr>
+        <p:spPr>
+          <a:xfrm>
+            <a:off x="4800600" y="4484077"/>
+            <a:ext cx="712177" cy="1090246"/>
+          </a:xfrm>
+          <a:prstGeom prst="rect">
+            <a:avLst/>
+          </a:prstGeom>
+          <a:noFill/>
+          <a:ln w="38100">
+            <a:solidFill>
+              <a:srgbClr val="FF0000"/>
+            </a:solidFill>
+          </a:ln>
+        </p:spPr>
+        <p:style>
+          <a:lnRef idx="2">
+            <a:schemeClr val="accent1">
+              <a:shade val="50000"/>
+            </a:schemeClr>
+          </a:lnRef>
+          <a:fillRef idx="1">
+            <a:schemeClr val="accent1"/>
+          </a:fillRef>
+          <a:effectRef idx="0">
+            <a:schemeClr val="accent1"/>
+          </a:effectRef>
+          <a:fontRef idx="minor">
+            <a:schemeClr val="lt1"/>
+          </a:fontRef>
+        </p:style>
+        <p:txBody>
+          <a:bodyPr rtlCol="0" anchor="ctr"/>
+          <a:lstStyle/>
+          <a:p>
+            <a:pPr algn="ctr"/>
+            <a:endParaRPr lang="en-US"/>
+          </a:p>
+        </p:txBody>
+      </p:sp>
     </p:spTree>
     <p:extLst>
       <p:ext uri="{BB962C8B-B14F-4D97-AF65-F5344CB8AC3E}">
-        <p14:creationId xmlns:p14="http://schemas.microsoft.com/office/powerpoint/2010/main" val="748810471"/>
+        <p14:creationId xmlns:p14="http://schemas.microsoft.com/office/powerpoint/2010/main" val="4141596084"/>
       </p:ext>
     </p:extLst>
   </p:cSld>
@@ -14698,66 +14530,39 @@
           <a:p>
             <a:r>
               <a:rPr lang="en-US" dirty="0"/>
-              <a:t>3 GOALS for Capstone</a:t>
+              <a:t>SPSS Stream Screen Shots</a:t>
             </a:r>
           </a:p>
         </p:txBody>
       </p:sp>
-      <p:sp>
-        <p:nvSpPr>
-          <p:cNvPr id="3" name="Content Placeholder 2"/>
-          <p:cNvSpPr>
-            <a:spLocks noGrp="1"/>
-          </p:cNvSpPr>
-          <p:nvPr>
-            <p:ph idx="1"/>
-          </p:nvPr>
-        </p:nvSpPr>
-        <p:spPr/>
-        <p:txBody>
-          <a:bodyPr/>
-          <a:lstStyle/>
-          <a:p>
-            <a:r>
-              <a:rPr lang="en-US" sz="2400" dirty="0"/>
-              <a:t>Combine</a:t>
-            </a:r>
-            <a:r>
-              <a:rPr lang="en-US" dirty="0"/>
-              <a:t> </a:t>
-            </a:r>
-          </a:p>
-          <a:p>
-            <a:pPr lvl="1"/>
-            <a:r>
-              <a:rPr lang="en-US" sz="2000" dirty="0"/>
-              <a:t>HealthCare Domain</a:t>
-            </a:r>
-          </a:p>
-          <a:p>
-            <a:pPr lvl="1"/>
-            <a:r>
-              <a:rPr lang="en-US" sz="2000" dirty="0"/>
-              <a:t>Data Science</a:t>
-            </a:r>
-          </a:p>
-          <a:p>
-            <a:pPr lvl="1"/>
-            <a:r>
-              <a:rPr lang="en-US" sz="2000" dirty="0">
-                <a:highlight>
-                  <a:srgbClr val="00FFFF"/>
-                </a:highlight>
-              </a:rPr>
-              <a:t>IBM Watson Tools</a:t>
-            </a:r>
-          </a:p>
-        </p:txBody>
-      </p:sp>
+      <p:pic>
+        <p:nvPicPr>
+          <p:cNvPr id="6" name="Picture 5"/>
+          <p:cNvPicPr>
+            <a:picLocks noChangeAspect="1"/>
+          </p:cNvPicPr>
+          <p:nvPr/>
+        </p:nvPicPr>
+        <p:blipFill>
+          <a:blip r:embed="rId2"/>
+          <a:stretch>
+            <a:fillRect/>
+          </a:stretch>
+        </p:blipFill>
+        <p:spPr>
+          <a:xfrm>
+            <a:off x="389907" y="2448169"/>
+            <a:ext cx="5061691" cy="4224093"/>
+          </a:xfrm>
+          <a:prstGeom prst="rect">
+            <a:avLst/>
+          </a:prstGeom>
+        </p:spPr>
+      </p:pic>
     </p:spTree>
     <p:extLst>
       <p:ext uri="{BB962C8B-B14F-4D97-AF65-F5344CB8AC3E}">
-        <p14:creationId xmlns:p14="http://schemas.microsoft.com/office/powerpoint/2010/main" val="2195502693"/>
+        <p14:creationId xmlns:p14="http://schemas.microsoft.com/office/powerpoint/2010/main" val="1300176505"/>
       </p:ext>
     </p:extLst>
   </p:cSld>

--- a/docs/gsimpson-CapstonePresentation.pptx
+++ b/docs/gsimpson-CapstonePresentation.pptx
@@ -13291,6 +13291,14 @@
               <a:rPr lang="en-US" dirty="0"/>
               <a:t>Greg Simpson</a:t>
             </a:r>
+            <a:br>
+              <a:rPr lang="en-US" dirty="0"/>
+            </a:br>
+            <a:r>
+              <a:rPr lang="en-US" dirty="0" err="1"/>
+              <a:t>SupportVectorMachine-CancerClassification</a:t>
+            </a:r>
+            <a:endParaRPr lang="en-US" dirty="0"/>
           </a:p>
         </p:txBody>
       </p:sp>
@@ -13312,6 +13320,12 @@
             <a:r>
               <a:rPr lang="en-US" dirty="0"/>
               <a:t>Galvanize Data science fellow</a:t>
+            </a:r>
+          </a:p>
+          <a:p>
+            <a:r>
+              <a:rPr lang="en-US" dirty="0"/>
+              <a:t>IBM Data scientist (soon)</a:t>
             </a:r>
           </a:p>
         </p:txBody>
@@ -13541,7 +13555,6 @@
               <a:rPr lang="en-US" sz="2200" dirty="0"/>
               <a:t> / 3.11%</a:t>
             </a:r>
-            <a:endParaRPr lang="en-US" sz="2200" dirty="0"/>
           </a:p>
           <a:p>
             <a:pPr lvl="1"/>
@@ -13641,7 +13654,12 @@
             <p:ph idx="1"/>
           </p:nvPr>
         </p:nvSpPr>
-        <p:spPr/>
+        <p:spPr>
+          <a:xfrm>
+            <a:off x="1101166" y="2603500"/>
+            <a:ext cx="8825659" cy="3416300"/>
+          </a:xfrm>
+        </p:spPr>
         <p:txBody>
           <a:bodyPr/>
           <a:lstStyle/>
@@ -13650,6 +13668,7 @@
               <a:rPr lang="en-US" sz="2400" dirty="0"/>
               <a:t>Greg Simpson</a:t>
             </a:r>
+            <a:endParaRPr lang="en-US" sz="2200" dirty="0"/>
           </a:p>
           <a:p>
             <a:pPr lvl="1"/>
@@ -13667,6 +13686,38 @@
               <a:rPr lang="en-US" sz="2000" dirty="0"/>
               <a:t>303.907.2233</a:t>
             </a:r>
+          </a:p>
+          <a:p>
+            <a:pPr lvl="1" hangingPunct="0"/>
+            <a:r>
+              <a:rPr lang="en-US" sz="2000" dirty="0"/>
+              <a:t>linkedin.com/in/</a:t>
+            </a:r>
+            <a:r>
+              <a:rPr lang="en-US" sz="2000" dirty="0" err="1"/>
+              <a:t>gregoryjsimpson</a:t>
+            </a:r>
+            <a:endParaRPr lang="en-US" sz="2000" dirty="0"/>
+          </a:p>
+          <a:p>
+            <a:pPr lvl="1" hangingPunct="0"/>
+            <a:r>
+              <a:rPr lang="en-US" sz="2000" dirty="0"/>
+              <a:t>github.com/</a:t>
+            </a:r>
+            <a:r>
+              <a:rPr lang="en-US" sz="2000" dirty="0" err="1"/>
+              <a:t>GregSimpson</a:t>
+            </a:r>
+            <a:endParaRPr lang="en-US" sz="2000" dirty="0"/>
+          </a:p>
+          <a:p>
+            <a:pPr lvl="2"/>
+            <a:r>
+              <a:rPr lang="en-US" sz="2000" dirty="0" err="1"/>
+              <a:t>SupportVectorMachine-CancerClassification</a:t>
+            </a:r>
+            <a:endParaRPr lang="en-US" sz="2000" dirty="0"/>
           </a:p>
           <a:p>
             <a:pPr marL="457200" lvl="1" indent="0">
